--- a/slides/01_course_overview.pptx
+++ b/slides/01_course_overview.pptx
@@ -6,18 +6,16 @@
     <p:sldMasterId id="2147483649" r:id="rId2"/>
   </p:sldMasterIdLst>
   <p:notesMasterIdLst>
-    <p:notesMasterId r:id="rId12"/>
+    <p:notesMasterId r:id="rId10"/>
   </p:notesMasterIdLst>
   <p:sldIdLst>
     <p:sldId id="258" r:id="rId3"/>
     <p:sldId id="353" r:id="rId4"/>
-    <p:sldId id="262" r:id="rId5"/>
-    <p:sldId id="362" r:id="rId6"/>
-    <p:sldId id="385" r:id="rId7"/>
-    <p:sldId id="386" r:id="rId8"/>
-    <p:sldId id="389" r:id="rId9"/>
-    <p:sldId id="388" r:id="rId10"/>
-    <p:sldId id="314" r:id="rId11"/>
+    <p:sldId id="362" r:id="rId5"/>
+    <p:sldId id="385" r:id="rId6"/>
+    <p:sldId id="386" r:id="rId7"/>
+    <p:sldId id="387" r:id="rId8"/>
+    <p:sldId id="388" r:id="rId9"/>
   </p:sldIdLst>
   <p:sldSz cx="9363075" cy="5257800"/>
   <p:notesSz cx="6858000" cy="9144000"/>
@@ -240,7 +238,7 @@
           <a:p>
             <a:fld id="{DB92F479-4B50-F243-9713-1B12EC2B4BDB}" type="datetimeFigureOut">
               <a:rPr lang="en-US" smtClean="0"/>
-              <a:t>6/15/15</a:t>
+              <a:t>5/29/2015</a:t>
             </a:fld>
             <a:endParaRPr lang="en-US"/>
           </a:p>
@@ -720,7 +718,111 @@
           <a:bodyPr/>
           <a:lstStyle/>
           <a:p>
-            <a:endParaRPr lang="en-US" dirty="0"/>
+            <a:r>
+              <a:rPr lang="en-US" dirty="0" smtClean="0"/>
+              <a:t>Embrace diversity – We have a lot of different backgrounds</a:t>
+            </a:r>
+            <a:r>
+              <a:rPr lang="en-US" baseline="0" dirty="0" smtClean="0"/>
+              <a:t> in terms of interests, knowledge, skills – embrace that and learn from one another</a:t>
+            </a:r>
+          </a:p>
+          <a:p>
+            <a:endParaRPr lang="en-US" baseline="0" dirty="0" smtClean="0"/>
+          </a:p>
+          <a:p>
+            <a:r>
+              <a:rPr lang="en-US" baseline="0" dirty="0" smtClean="0"/>
+              <a:t>Seek an optimal pace </a:t>
+            </a:r>
+            <a:r>
+              <a:rPr lang="en-US" baseline="0" smtClean="0"/>
+              <a:t>– </a:t>
+            </a:r>
+            <a:r>
+              <a:rPr lang="en-US" baseline="0" smtClean="0"/>
+              <a:t>I </a:t>
+            </a:r>
+            <a:r>
+              <a:rPr lang="en-US" baseline="0" dirty="0" smtClean="0"/>
+              <a:t>will </a:t>
+            </a:r>
+            <a:r>
+              <a:rPr lang="en-US" baseline="0" smtClean="0"/>
+              <a:t>do </a:t>
+            </a:r>
+            <a:r>
+              <a:rPr lang="en-US" baseline="0" smtClean="0"/>
+              <a:t>my best </a:t>
+            </a:r>
+            <a:r>
+              <a:rPr lang="en-US" baseline="0" dirty="0" smtClean="0"/>
+              <a:t>to find a pace that works well for everyone – if it’s too slow for you, we will help you go deeper and give you bigger challenges – if it’s too fast for you, we will provide you with extra help and resources</a:t>
+            </a:r>
+          </a:p>
+          <a:p>
+            <a:endParaRPr lang="en-US" baseline="0" dirty="0" smtClean="0"/>
+          </a:p>
+          <a:p>
+            <a:r>
+              <a:rPr lang="en-US" baseline="0" dirty="0" smtClean="0"/>
+              <a:t>Communicate early and often </a:t>
+            </a:r>
+            <a:r>
+              <a:rPr lang="en-US" baseline="0" smtClean="0"/>
+              <a:t>– </a:t>
+            </a:r>
+            <a:r>
+              <a:rPr lang="en-US" baseline="0" smtClean="0"/>
+              <a:t>We </a:t>
+            </a:r>
+            <a:r>
+              <a:rPr lang="en-US" baseline="0" dirty="0" smtClean="0"/>
+              <a:t>want to know how you are doing with </a:t>
+            </a:r>
+            <a:r>
+              <a:rPr lang="en-US" baseline="0" smtClean="0"/>
+              <a:t>the </a:t>
+            </a:r>
+            <a:r>
+              <a:rPr lang="en-US" baseline="0" smtClean="0"/>
+              <a:t>course </a:t>
+            </a:r>
+            <a:r>
+              <a:rPr lang="en-US" baseline="0" dirty="0" smtClean="0"/>
+              <a:t>– keep us updated so we can help you to </a:t>
+            </a:r>
+            <a:r>
+              <a:rPr lang="en-US" baseline="0" smtClean="0"/>
+              <a:t>be successful – we are </a:t>
+            </a:r>
+            <a:r>
+              <a:rPr lang="en-US" baseline="0" smtClean="0"/>
+              <a:t>also </a:t>
+            </a:r>
+            <a:r>
+              <a:rPr lang="en-US" baseline="0" smtClean="0"/>
+              <a:t>going to be giving you lots of feedback</a:t>
+            </a:r>
+            <a:endParaRPr lang="en-US" baseline="0" dirty="0" smtClean="0"/>
+          </a:p>
+          <a:p>
+            <a:endParaRPr lang="en-US" baseline="0" dirty="0" smtClean="0"/>
+          </a:p>
+          <a:p>
+            <a:r>
+              <a:rPr lang="en-US" baseline="0" smtClean="0"/>
+              <a:t>Success </a:t>
+            </a:r>
+            <a:r>
+              <a:rPr lang="en-US" baseline="0" dirty="0" smtClean="0"/>
+              <a:t>is not a grade – Success in this course is not about grades (we don’t give out grades) or about how you do compared to your classmates, it’s about achieving your goal and helping you to get where you want </a:t>
+            </a:r>
+            <a:r>
+              <a:rPr lang="en-US" baseline="0" smtClean="0"/>
+              <a:t>to be</a:t>
+            </a:r>
+            <a:endParaRPr lang="en-US" baseline="0" dirty="0" smtClean="0"/>
           </a:p>
         </p:txBody>
       </p:sp>
@@ -750,7 +852,7 @@
     </p:spTree>
     <p:extLst>
       <p:ext uri="{BB962C8B-B14F-4D97-AF65-F5344CB8AC3E}">
-        <p14:creationId xmlns:p14="http://schemas.microsoft.com/office/powerpoint/2010/main" val="184081147"/>
+        <p14:creationId xmlns:p14="http://schemas.microsoft.com/office/powerpoint/2010/main" val="645762702"/>
       </p:ext>
     </p:extLst>
   </p:cSld>
@@ -805,54 +907,133 @@
           <a:lstStyle/>
           <a:p>
             <a:r>
+              <a:rPr lang="en-US" smtClean="0"/>
+              <a:t>Application-based </a:t>
+            </a:r>
+            <a:r>
+              <a:rPr lang="en-US" baseline="0" smtClean="0"/>
+              <a:t>approach – </a:t>
+            </a:r>
+            <a:r>
+              <a:rPr lang="en-US" baseline="0" smtClean="0"/>
+              <a:t>I </a:t>
+            </a:r>
+            <a:r>
+              <a:rPr lang="en-US" baseline="0" dirty="0" smtClean="0"/>
+              <a:t>will be teaching you a combination of theory and practical implementation and having you practice things as much as possible </a:t>
+            </a:r>
+            <a:r>
+              <a:rPr lang="en-US" baseline="0" smtClean="0"/>
+              <a:t>– </a:t>
+            </a:r>
+            <a:r>
+              <a:rPr lang="en-US" baseline="0" smtClean="0"/>
+              <a:t>my </a:t>
+            </a:r>
+            <a:r>
+              <a:rPr lang="en-US" baseline="0" dirty="0" smtClean="0"/>
+              <a:t>goal is that you can effectively use these tools to do data science – data science means implementation, not just ideas</a:t>
+            </a:r>
+          </a:p>
+          <a:p>
+            <a:endParaRPr lang="en-US" baseline="0" dirty="0" smtClean="0"/>
+          </a:p>
+          <a:p>
+            <a:r>
+              <a:rPr lang="en-US" smtClean="0"/>
+              <a:t>Balance </a:t>
+            </a:r>
+            <a:r>
               <a:rPr lang="en-US" dirty="0" smtClean="0"/>
-              <a:t>Embrace diversity – We have a lot of different backgrounds</a:t>
+              <a:t>depth with breadth </a:t>
+            </a:r>
+            <a:r>
+              <a:rPr lang="en-US" smtClean="0"/>
+              <a:t>– </a:t>
+            </a:r>
+            <a:r>
+              <a:rPr lang="en-US" smtClean="0"/>
+              <a:t>I </a:t>
+            </a:r>
+            <a:r>
+              <a:rPr lang="en-US" baseline="0" smtClean="0"/>
+              <a:t>want </a:t>
             </a:r>
             <a:r>
               <a:rPr lang="en-US" baseline="0" dirty="0" smtClean="0"/>
-              <a:t> in terms of interests, knowledge, skills – embrace that and learn from one another</a:t>
-            </a:r>
-          </a:p>
-          <a:p>
+              <a:t>you to know enough depth that you understand what you are doing, but not so much that we exclude </a:t>
+            </a:r>
+            <a:r>
+              <a:rPr lang="en-US" baseline="0" smtClean="0"/>
+              <a:t>crucial topics</a:t>
+            </a:r>
             <a:endParaRPr lang="en-US" baseline="0" dirty="0" smtClean="0"/>
           </a:p>
           <a:p>
-            <a:r>
-              <a:rPr lang="en-US" baseline="0" dirty="0" smtClean="0"/>
-              <a:t>Seek an optimal pace – We will do our best to find a pace that works well for everyone – if it’s too slow for you, we will help you go deeper and give you bigger challenges – if it’s too fast for you, we will provide you with extra help and resources</a:t>
-            </a:r>
-          </a:p>
-          <a:p>
             <a:endParaRPr lang="en-US" baseline="0" dirty="0" smtClean="0"/>
           </a:p>
           <a:p>
             <a:r>
-              <a:rPr lang="en-US" baseline="0" dirty="0" smtClean="0"/>
-              <a:t>Communicate early and often – We want to know how you are doing with the course, what confuses you, what learning style works for you and what doesn’t – keep us updated so we can help you to </a:t>
-            </a:r>
-            <a:r>
               <a:rPr lang="en-US" baseline="0" smtClean="0"/>
-              <a:t>be successful – we are going to be checking in with you (one-on-one) throughout the course and getting your feedback</a:t>
-            </a:r>
-            <a:endParaRPr lang="en-US" baseline="0" dirty="0" smtClean="0"/>
-          </a:p>
-          <a:p>
-            <a:endParaRPr lang="en-US" baseline="0" dirty="0" smtClean="0"/>
-          </a:p>
-          <a:p>
+              <a:t>Modified based on experience – There is so much that could be included in a “data science” course - what </a:t>
+            </a:r>
             <a:r>
               <a:rPr lang="en-US" baseline="0" smtClean="0"/>
-              <a:t>Success </a:t>
-            </a:r>
-            <a:r>
-              <a:rPr lang="en-US" baseline="0" dirty="0" smtClean="0"/>
-              <a:t>is not a grade – Success in this course is not about grades (we don’t give out grades) or about how you do compared to your classmates, it’s about achieving your goal and helping you to get where you want </a:t>
+              <a:t>I </a:t>
             </a:r>
             <a:r>
               <a:rPr lang="en-US" baseline="0" smtClean="0"/>
-              <a:t>to be</a:t>
-            </a:r>
-            <a:endParaRPr lang="en-US" baseline="0" dirty="0" smtClean="0"/>
+              <a:t>teach, how </a:t>
+            </a:r>
+            <a:r>
+              <a:rPr lang="en-US" baseline="0" smtClean="0"/>
+              <a:t>I </a:t>
+            </a:r>
+            <a:r>
+              <a:rPr lang="en-US" baseline="0" smtClean="0"/>
+              <a:t>teach, and even the order in which </a:t>
+            </a:r>
+            <a:r>
+              <a:rPr lang="en-US" baseline="0" smtClean="0"/>
+              <a:t>I </a:t>
+            </a:r>
+            <a:r>
+              <a:rPr lang="en-US" baseline="0" smtClean="0"/>
+              <a:t>teach topics is something </a:t>
+            </a:r>
+            <a:r>
+              <a:rPr lang="en-US" baseline="0" smtClean="0"/>
+              <a:t>I’ve </a:t>
+            </a:r>
+            <a:r>
+              <a:rPr lang="en-US" baseline="0" smtClean="0"/>
+              <a:t>tuned based upon </a:t>
+            </a:r>
+            <a:r>
+              <a:rPr lang="en-US" baseline="0" smtClean="0"/>
+              <a:t>my experience </a:t>
+            </a:r>
+            <a:r>
+              <a:rPr lang="en-US" baseline="0" smtClean="0"/>
+              <a:t>with this course – you will get the best course </a:t>
+            </a:r>
+            <a:r>
+              <a:rPr lang="en-US" baseline="0" smtClean="0"/>
+              <a:t>I </a:t>
+            </a:r>
+            <a:r>
+              <a:rPr lang="en-US" baseline="0" smtClean="0"/>
+              <a:t>have ever taught!</a:t>
+            </a:r>
+          </a:p>
+          <a:p>
+            <a:endParaRPr lang="en-US" baseline="0" smtClean="0"/>
+          </a:p>
+          <a:p>
+            <a:r>
+              <a:rPr lang="en-US" baseline="0" smtClean="0"/>
+              <a:t>Course project – We are going to focus on the project from the start because that is where a lot of learning will occur</a:t>
+            </a:r>
           </a:p>
         </p:txBody>
       </p:sp>
@@ -937,16 +1118,38 @@
           <a:lstStyle/>
           <a:p>
             <a:r>
-              <a:rPr lang="en-US" smtClean="0"/>
-              <a:t>Application-based </a:t>
-            </a:r>
+              <a:rPr lang="en-US" dirty="0" smtClean="0"/>
+              <a:t>Effort not prior knowledge – It’s not about what you know now,</a:t>
+            </a:r>
+            <a:r>
+              <a:rPr lang="en-US" baseline="0" dirty="0" smtClean="0"/>
+              <a:t> it’s about what you put into the course</a:t>
+            </a:r>
+          </a:p>
+          <a:p>
+            <a:endParaRPr lang="en-US" dirty="0" smtClean="0"/>
+          </a:p>
+          <a:p>
+            <a:r>
+              <a:rPr lang="en-US" dirty="0" smtClean="0"/>
+              <a:t>Ask questions – Default</a:t>
+            </a:r>
+            <a:r>
+              <a:rPr lang="en-US" baseline="0" dirty="0" smtClean="0"/>
+              <a:t> to asking questions – helps with your understanding and helps us to know how you are doing</a:t>
+            </a:r>
+          </a:p>
+          <a:p>
+            <a:endParaRPr lang="en-US" baseline="0" dirty="0" smtClean="0"/>
+          </a:p>
+          <a:p>
             <a:r>
               <a:rPr lang="en-US" baseline="0" smtClean="0"/>
-              <a:t>approach </a:t>
+              <a:t>Help </a:t>
             </a:r>
             <a:r>
               <a:rPr lang="en-US" baseline="0" dirty="0" smtClean="0"/>
-              <a:t>– We will be teaching you a combination of theory and practical implementation and having you practice things as much as possible – our goal is that you can effectively use these tools to do data science – data science means implementation, not just ideas</a:t>
+              <a:t>your classmates – We are all teachers and we are all learners – don’t be shy</a:t>
             </a:r>
           </a:p>
           <a:p>
@@ -955,51 +1158,21 @@
           <a:p>
             <a:r>
               <a:rPr lang="en-US" baseline="0" dirty="0" smtClean="0"/>
-              <a:t>Understand key principles – We want you to understand the principles behind the methods </a:t>
+              <a:t>Be patient with yourself – It’s okay if you don’t understand some of the </a:t>
             </a:r>
             <a:r>
               <a:rPr lang="en-US" baseline="0" smtClean="0"/>
-              <a:t>and algorithms – “black box” </a:t>
+              <a:t>course material – </a:t>
             </a:r>
             <a:r>
               <a:rPr lang="en-US" baseline="0" dirty="0" smtClean="0"/>
-              <a:t>data science will only get you so far – understanding what you’re doing and why will get you much further</a:t>
-            </a:r>
-          </a:p>
-          <a:p>
-            <a:endParaRPr lang="en-US" dirty="0" smtClean="0"/>
-          </a:p>
-          <a:p>
-            <a:r>
-              <a:rPr lang="en-US" smtClean="0"/>
-              <a:t>Balance </a:t>
-            </a:r>
-            <a:r>
-              <a:rPr lang="en-US" dirty="0" smtClean="0"/>
-              <a:t>depth with breadth </a:t>
-            </a:r>
-            <a:r>
-              <a:rPr lang="en-US" smtClean="0"/>
-              <a:t>– We </a:t>
+              <a:t>there is a lot of material and the complexity can be quite high – focus on learning as much as you can – we want to equip you with enough knowledge that you can learn independently both during and after </a:t>
             </a:r>
             <a:r>
               <a:rPr lang="en-US" baseline="0" smtClean="0"/>
-              <a:t>want </a:t>
-            </a:r>
-            <a:r>
-              <a:rPr lang="en-US" baseline="0" dirty="0" smtClean="0"/>
-              <a:t>you to know enough depth that you understand what you are doing, but not so much that we exclude crucial topics – we will try to accommodate your interests if you want to learn something we’re not planning on teaching</a:t>
-            </a:r>
-          </a:p>
-          <a:p>
+              <a:t>this course</a:t>
+            </a:r>
             <a:endParaRPr lang="en-US" baseline="0" dirty="0" smtClean="0"/>
-          </a:p>
-          <a:p>
-            <a:r>
-              <a:rPr lang="en-US" baseline="0" dirty="0" smtClean="0"/>
-              <a:t>Course project – We are going to focus on the project from the start because that is where a lot of learning will occur</a:t>
-            </a:r>
-            <a:endParaRPr lang="en-US" dirty="0" smtClean="0"/>
           </a:p>
         </p:txBody>
       </p:sp>
@@ -1083,74 +1256,6 @@
           <a:bodyPr/>
           <a:lstStyle/>
           <a:p>
-            <a:r>
-              <a:rPr lang="en-US" dirty="0" smtClean="0"/>
-              <a:t>Effort not prior knowledge – It’s not about what you know now,</a:t>
-            </a:r>
-            <a:r>
-              <a:rPr lang="en-US" baseline="0" dirty="0" smtClean="0"/>
-              <a:t> it’s about what you put into the course</a:t>
-            </a:r>
-          </a:p>
-          <a:p>
-            <a:endParaRPr lang="en-US" dirty="0" smtClean="0"/>
-          </a:p>
-          <a:p>
-            <a:r>
-              <a:rPr lang="en-US" dirty="0" smtClean="0"/>
-              <a:t>Ask questions – Default</a:t>
-            </a:r>
-            <a:r>
-              <a:rPr lang="en-US" baseline="0" dirty="0" smtClean="0"/>
-              <a:t> to asking questions – helps with your understanding and helps us to know how you are doing</a:t>
-            </a:r>
-          </a:p>
-          <a:p>
-            <a:endParaRPr lang="en-US" baseline="0" dirty="0" smtClean="0"/>
-          </a:p>
-          <a:p>
-            <a:r>
-              <a:rPr lang="en-US" baseline="0" dirty="0" smtClean="0"/>
-              <a:t>Communicate what you’ve learned – Blog about class</a:t>
-            </a:r>
-            <a:r>
-              <a:rPr lang="en-US" baseline="0" smtClean="0"/>
-              <a:t>, share it with others </a:t>
-            </a:r>
-            <a:r>
-              <a:rPr lang="en-US" baseline="0" dirty="0" smtClean="0"/>
-              <a:t>– will definitely deepen your knowledge</a:t>
-            </a:r>
-          </a:p>
-          <a:p>
-            <a:endParaRPr lang="en-US" baseline="0" dirty="0" smtClean="0"/>
-          </a:p>
-          <a:p>
-            <a:r>
-              <a:rPr lang="en-US" baseline="0" dirty="0" smtClean="0"/>
-              <a:t>Help your classmates – We are all teachers and we are all learners – don’t be shy</a:t>
-            </a:r>
-          </a:p>
-          <a:p>
-            <a:endParaRPr lang="en-US" baseline="0" dirty="0" smtClean="0"/>
-          </a:p>
-          <a:p>
-            <a:r>
-              <a:rPr lang="en-US" baseline="0" dirty="0" smtClean="0"/>
-              <a:t>Be patient with yourself – It’s okay if you don’t understand some of the </a:t>
-            </a:r>
-            <a:r>
-              <a:rPr lang="en-US" baseline="0" smtClean="0"/>
-              <a:t>course material – </a:t>
-            </a:r>
-            <a:r>
-              <a:rPr lang="en-US" baseline="0" dirty="0" smtClean="0"/>
-              <a:t>there is a lot of material and the complexity can be quite high – focus on learning as much as you can – we want to equip you with enough knowledge that you can learn independently both during and after </a:t>
-            </a:r>
-            <a:r>
-              <a:rPr lang="en-US" baseline="0" smtClean="0"/>
-              <a:t>this course</a:t>
-            </a:r>
             <a:endParaRPr lang="en-US" baseline="0" dirty="0" smtClean="0"/>
           </a:p>
         </p:txBody>
@@ -1266,174 +1371,6 @@
     <p:extLst>
       <p:ext uri="{BB962C8B-B14F-4D97-AF65-F5344CB8AC3E}">
         <p14:creationId xmlns:p14="http://schemas.microsoft.com/office/powerpoint/2010/main" val="645762702"/>
-      </p:ext>
-    </p:extLst>
-  </p:cSld>
-  <p:clrMapOvr>
-    <a:masterClrMapping/>
-  </p:clrMapOvr>
-</p:notes>
-</file>
-
-<file path=ppt/notesSlides/notesSlide8.xml><?xml version="1.0" encoding="utf-8"?>
-<p:notes xmlns:a="http://schemas.openxmlformats.org/drawingml/2006/main" xmlns:r="http://schemas.openxmlformats.org/officeDocument/2006/relationships" xmlns:p="http://schemas.openxmlformats.org/presentationml/2006/main">
-  <p:cSld>
-    <p:spTree>
-      <p:nvGrpSpPr>
-        <p:cNvPr id="1" name=""/>
-        <p:cNvGrpSpPr/>
-        <p:nvPr/>
-      </p:nvGrpSpPr>
-      <p:grpSpPr>
-        <a:xfrm>
-          <a:off x="0" y="0"/>
-          <a:ext cx="0" cy="0"/>
-          <a:chOff x="0" y="0"/>
-          <a:chExt cx="0" cy="0"/>
-        </a:xfrm>
-      </p:grpSpPr>
-      <p:sp>
-        <p:nvSpPr>
-          <p:cNvPr id="2" name="Slide Image Placeholder 1"/>
-          <p:cNvSpPr>
-            <a:spLocks noGrp="1" noRot="1" noChangeAspect="1"/>
-          </p:cNvSpPr>
-          <p:nvPr>
-            <p:ph type="sldImg"/>
-          </p:nvPr>
-        </p:nvSpPr>
-        <p:spPr/>
-      </p:sp>
-      <p:sp>
-        <p:nvSpPr>
-          <p:cNvPr id="3" name="Notes Placeholder 2"/>
-          <p:cNvSpPr>
-            <a:spLocks noGrp="1"/>
-          </p:cNvSpPr>
-          <p:nvPr>
-            <p:ph type="body" idx="1"/>
-          </p:nvPr>
-        </p:nvSpPr>
-        <p:spPr/>
-        <p:txBody>
-          <a:bodyPr/>
-          <a:lstStyle/>
-          <a:p>
-            <a:endParaRPr lang="en-US" baseline="0" dirty="0" smtClean="0"/>
-          </a:p>
-        </p:txBody>
-      </p:sp>
-      <p:sp>
-        <p:nvSpPr>
-          <p:cNvPr id="4" name="Slide Number Placeholder 3"/>
-          <p:cNvSpPr>
-            <a:spLocks noGrp="1"/>
-          </p:cNvSpPr>
-          <p:nvPr>
-            <p:ph type="sldNum" sz="quarter" idx="10"/>
-          </p:nvPr>
-        </p:nvSpPr>
-        <p:spPr/>
-        <p:txBody>
-          <a:bodyPr/>
-          <a:lstStyle/>
-          <a:p>
-            <a:fld id="{ADD4B5B7-85EF-4E48-AC80-2380FACD9C23}" type="slidenum">
-              <a:rPr lang="en-US" smtClean="0"/>
-              <a:t>8</a:t>
-            </a:fld>
-            <a:endParaRPr lang="en-US"/>
-          </a:p>
-        </p:txBody>
-      </p:sp>
-    </p:spTree>
-    <p:extLst>
-      <p:ext uri="{BB962C8B-B14F-4D97-AF65-F5344CB8AC3E}">
-        <p14:creationId xmlns:p14="http://schemas.microsoft.com/office/powerpoint/2010/main" val="645762702"/>
-      </p:ext>
-    </p:extLst>
-  </p:cSld>
-  <p:clrMapOvr>
-    <a:masterClrMapping/>
-  </p:clrMapOvr>
-</p:notes>
-</file>
-
-<file path=ppt/notesSlides/notesSlide9.xml><?xml version="1.0" encoding="utf-8"?>
-<p:notes xmlns:a="http://schemas.openxmlformats.org/drawingml/2006/main" xmlns:r="http://schemas.openxmlformats.org/officeDocument/2006/relationships" xmlns:p="http://schemas.openxmlformats.org/presentationml/2006/main">
-  <p:cSld>
-    <p:spTree>
-      <p:nvGrpSpPr>
-        <p:cNvPr id="1" name=""/>
-        <p:cNvGrpSpPr/>
-        <p:nvPr/>
-      </p:nvGrpSpPr>
-      <p:grpSpPr>
-        <a:xfrm>
-          <a:off x="0" y="0"/>
-          <a:ext cx="0" cy="0"/>
-          <a:chOff x="0" y="0"/>
-          <a:chExt cx="0" cy="0"/>
-        </a:xfrm>
-      </p:grpSpPr>
-      <p:sp>
-        <p:nvSpPr>
-          <p:cNvPr id="2" name="Slide Image Placeholder 1"/>
-          <p:cNvSpPr>
-            <a:spLocks noGrp="1" noRot="1" noChangeAspect="1"/>
-          </p:cNvSpPr>
-          <p:nvPr>
-            <p:ph type="sldImg"/>
-          </p:nvPr>
-        </p:nvSpPr>
-        <p:spPr/>
-      </p:sp>
-      <p:sp>
-        <p:nvSpPr>
-          <p:cNvPr id="3" name="Notes Placeholder 2"/>
-          <p:cNvSpPr>
-            <a:spLocks noGrp="1"/>
-          </p:cNvSpPr>
-          <p:nvPr>
-            <p:ph type="body" idx="1"/>
-          </p:nvPr>
-        </p:nvSpPr>
-        <p:spPr/>
-        <p:txBody>
-          <a:bodyPr/>
-          <a:lstStyle/>
-          <a:p>
-            <a:endParaRPr lang="en-US" dirty="0"/>
-          </a:p>
-        </p:txBody>
-      </p:sp>
-      <p:sp>
-        <p:nvSpPr>
-          <p:cNvPr id="4" name="Slide Number Placeholder 3"/>
-          <p:cNvSpPr>
-            <a:spLocks noGrp="1"/>
-          </p:cNvSpPr>
-          <p:nvPr>
-            <p:ph type="sldNum" sz="quarter" idx="10"/>
-          </p:nvPr>
-        </p:nvSpPr>
-        <p:spPr/>
-        <p:txBody>
-          <a:bodyPr/>
-          <a:lstStyle/>
-          <a:p>
-            <a:fld id="{ADD4B5B7-85EF-4E48-AC80-2380FACD9C23}" type="slidenum">
-              <a:rPr lang="en-US" smtClean="0"/>
-              <a:t>9</a:t>
-            </a:fld>
-            <a:endParaRPr lang="en-US"/>
-          </a:p>
-        </p:txBody>
-      </p:sp>
-    </p:spTree>
-    <p:extLst>
-      <p:ext uri="{BB962C8B-B14F-4D97-AF65-F5344CB8AC3E}">
-        <p14:creationId xmlns:p14="http://schemas.microsoft.com/office/powerpoint/2010/main" val="158773868"/>
       </p:ext>
     </p:extLst>
   </p:cSld>
@@ -1494,14 +1431,14 @@
             <a:noFill/>
           </a:ln>
           <a:extLst>
-            <a:ext uri="{909E8E84-426E-40dd-AFC4-6F175D3DCCD1}">
+            <a:ext uri="{909E8E84-426E-40DD-AFC4-6F175D3DCCD1}">
               <a14:hiddenFill xmlns:a14="http://schemas.microsoft.com/office/drawing/2010/main">
                 <a:solidFill>
                   <a:srgbClr val="FFFFFF"/>
                 </a:solidFill>
               </a14:hiddenFill>
             </a:ext>
-            <a:ext uri="{91240B29-F687-4f45-9708-019B960494DF}">
+            <a:ext uri="{91240B29-F687-4F45-9708-019B960494DF}">
               <a14:hiddenLine xmlns:a14="http://schemas.microsoft.com/office/drawing/2010/main" w="12700">
                 <a:solidFill>
                   <a:srgbClr val="000000"/>
@@ -1633,7 +1570,7 @@
   <p:clrMapOvr>
     <a:masterClrMapping/>
   </p:clrMapOvr>
-  <p:transition xmlns:p14="http://schemas.microsoft.com/office/powerpoint/2010/main"/>
+  <p:transition/>
 </p:sldLayout>
 </file>
 
@@ -1682,7 +1619,7 @@
           </a:ln>
           <a:effectLst/>
           <a:extLst>
-            <a:ext uri="{AF507438-7753-43e0-B8FC-AC1667EBCBE1}">
+            <a:ext uri="{AF507438-7753-43E0-B8FC-AC1667EBCBE1}">
               <a14:hiddenEffects xmlns:a14="http://schemas.microsoft.com/office/drawing/2010/main">
                 <a:effectLst>
                   <a:outerShdw blurRad="63500" dist="38099" dir="2700000" algn="ctr" rotWithShape="0">
@@ -1724,7 +1661,7 @@
           </a:ln>
           <a:effectLst/>
           <a:extLst>
-            <a:ext uri="{AF507438-7753-43e0-B8FC-AC1667EBCBE1}">
+            <a:ext uri="{AF507438-7753-43E0-B8FC-AC1667EBCBE1}">
               <a14:hiddenEffects xmlns:a14="http://schemas.microsoft.com/office/drawing/2010/main">
                 <a:effectLst>
                   <a:outerShdw blurRad="63500" dist="38099" dir="2700000" algn="ctr" rotWithShape="0">
@@ -1766,7 +1703,7 @@
           </a:ln>
           <a:effectLst/>
           <a:extLst>
-            <a:ext uri="{AF507438-7753-43e0-B8FC-AC1667EBCBE1}">
+            <a:ext uri="{AF507438-7753-43E0-B8FC-AC1667EBCBE1}">
               <a14:hiddenEffects xmlns:a14="http://schemas.microsoft.com/office/drawing/2010/main">
                 <a:effectLst>
                   <a:outerShdw blurRad="63500" dist="38099" dir="2700000" algn="ctr" rotWithShape="0">
@@ -1808,7 +1745,7 @@
           </a:ln>
           <a:effectLst/>
           <a:extLst>
-            <a:ext uri="{AF507438-7753-43e0-B8FC-AC1667EBCBE1}">
+            <a:ext uri="{AF507438-7753-43E0-B8FC-AC1667EBCBE1}">
               <a14:hiddenEffects xmlns:a14="http://schemas.microsoft.com/office/drawing/2010/main">
                 <a:effectLst>
                   <a:outerShdw blurRad="63500" dist="38099" dir="2700000" algn="ctr" rotWithShape="0">
@@ -2588,7 +2525,7 @@
   <p:clrMapOvr>
     <a:masterClrMapping/>
   </p:clrMapOvr>
-  <p:transition xmlns:p14="http://schemas.microsoft.com/office/powerpoint/2010/main"/>
+  <p:transition/>
 </p:sldLayout>
 </file>
 
@@ -2637,7 +2574,7 @@
           </a:ln>
           <a:effectLst/>
           <a:extLst>
-            <a:ext uri="{AF507438-7753-43e0-B8FC-AC1667EBCBE1}">
+            <a:ext uri="{AF507438-7753-43E0-B8FC-AC1667EBCBE1}">
               <a14:hiddenEffects xmlns:a14="http://schemas.microsoft.com/office/drawing/2010/main">
                 <a:effectLst>
                   <a:outerShdw blurRad="63500" dist="38099" dir="2700000" algn="ctr" rotWithShape="0">
@@ -2679,7 +2616,7 @@
           </a:ln>
           <a:effectLst/>
           <a:extLst>
-            <a:ext uri="{AF507438-7753-43e0-B8FC-AC1667EBCBE1}">
+            <a:ext uri="{AF507438-7753-43E0-B8FC-AC1667EBCBE1}">
               <a14:hiddenEffects xmlns:a14="http://schemas.microsoft.com/office/drawing/2010/main">
                 <a:effectLst>
                   <a:outerShdw blurRad="63500" dist="38099" dir="2700000" algn="ctr" rotWithShape="0">
@@ -3145,7 +3082,7 @@
   <p:clrMapOvr>
     <a:masterClrMapping/>
   </p:clrMapOvr>
-  <p:transition xmlns:p14="http://schemas.microsoft.com/office/powerpoint/2010/main"/>
+  <p:transition/>
 </p:sldLayout>
 </file>
 
@@ -3445,7 +3382,7 @@
   <p:clrMapOvr>
     <a:masterClrMapping/>
   </p:clrMapOvr>
-  <p:transition xmlns:p14="http://schemas.microsoft.com/office/powerpoint/2010/main"/>
+  <p:transition/>
 </p:sldLayout>
 </file>
 
@@ -3582,7 +3519,7 @@
   <p:clrMapOvr>
     <a:masterClrMapping/>
   </p:clrMapOvr>
-  <p:transition xmlns:p14="http://schemas.microsoft.com/office/powerpoint/2010/main"/>
+  <p:transition/>
 </p:sldLayout>
 </file>
 
@@ -3749,7 +3686,7 @@
   <p:clrMapOvr>
     <a:masterClrMapping/>
   </p:clrMapOvr>
-  <p:transition xmlns:p14="http://schemas.microsoft.com/office/powerpoint/2010/main"/>
+  <p:transition/>
 </p:sldLayout>
 </file>
 
@@ -3815,7 +3752,7 @@
   <p:clrMapOvr>
     <a:masterClrMapping/>
   </p:clrMapOvr>
-  <p:transition xmlns:p14="http://schemas.microsoft.com/office/powerpoint/2010/main"/>
+  <p:transition/>
 </p:sldLayout>
 </file>
 
@@ -4047,7 +3984,7 @@
   <p:clrMapOvr>
     <a:masterClrMapping/>
   </p:clrMapOvr>
-  <p:transition xmlns:p14="http://schemas.microsoft.com/office/powerpoint/2010/main"/>
+  <p:transition/>
 </p:sldLayout>
 </file>
 
@@ -4314,7 +4251,7 @@
   <p:clrMapOvr>
     <a:masterClrMapping/>
   </p:clrMapOvr>
-  <p:transition xmlns:p14="http://schemas.microsoft.com/office/powerpoint/2010/main"/>
+  <p:transition/>
 </p:sldLayout>
 </file>
 
@@ -4583,7 +4520,7 @@
   <p:clrMapOvr>
     <a:masterClrMapping/>
   </p:clrMapOvr>
-  <p:transition xmlns:p14="http://schemas.microsoft.com/office/powerpoint/2010/main"/>
+  <p:transition/>
 </p:sldLayout>
 </file>
 
@@ -4630,7 +4567,7 @@
             <a:tailEnd/>
           </a:ln>
           <a:extLst>
-            <a:ext uri="{909E8E84-426E-40dd-AFC4-6F175D3DCCD1}">
+            <a:ext uri="{909E8E84-426E-40DD-AFC4-6F175D3DCCD1}">
               <a14:hiddenFill xmlns:a14="http://schemas.microsoft.com/office/drawing/2010/main">
                 <a:noFill/>
               </a14:hiddenFill>
@@ -4671,7 +4608,7 @@
             <a:tailEnd/>
           </a:ln>
           <a:extLst>
-            <a:ext uri="{909E8E84-426E-40dd-AFC4-6F175D3DCCD1}">
+            <a:ext uri="{909E8E84-426E-40DD-AFC4-6F175D3DCCD1}">
               <a14:hiddenFill xmlns:a14="http://schemas.microsoft.com/office/drawing/2010/main">
                 <a:noFill/>
               </a14:hiddenFill>
@@ -4899,7 +4836,7 @@
   <p:clrMapOvr>
     <a:masterClrMapping/>
   </p:clrMapOvr>
-  <p:transition xmlns:p14="http://schemas.microsoft.com/office/powerpoint/2010/main"/>
+  <p:transition/>
 </p:sldLayout>
 </file>
 
@@ -4946,7 +4883,7 @@
             <a:tailEnd/>
           </a:ln>
           <a:extLst>
-            <a:ext uri="{909E8E84-426E-40dd-AFC4-6F175D3DCCD1}">
+            <a:ext uri="{909E8E84-426E-40DD-AFC4-6F175D3DCCD1}">
               <a14:hiddenFill xmlns:a14="http://schemas.microsoft.com/office/drawing/2010/main">
                 <a:noFill/>
               </a14:hiddenFill>
@@ -4987,7 +4924,7 @@
             <a:tailEnd/>
           </a:ln>
           <a:extLst>
-            <a:ext uri="{909E8E84-426E-40dd-AFC4-6F175D3DCCD1}">
+            <a:ext uri="{909E8E84-426E-40DD-AFC4-6F175D3DCCD1}">
               <a14:hiddenFill xmlns:a14="http://schemas.microsoft.com/office/drawing/2010/main">
                 <a:noFill/>
               </a14:hiddenFill>
@@ -5036,14 +4973,14 @@
             <a:noFill/>
           </a:ln>
           <a:extLst>
-            <a:ext uri="{909E8E84-426E-40dd-AFC4-6F175D3DCCD1}">
+            <a:ext uri="{909E8E84-426E-40DD-AFC4-6F175D3DCCD1}">
               <a14:hiddenFill xmlns:a14="http://schemas.microsoft.com/office/drawing/2010/main">
                 <a:solidFill>
                   <a:srgbClr val="FFFFFF"/>
                 </a:solidFill>
               </a14:hiddenFill>
             </a:ext>
-            <a:ext uri="{91240B29-F687-4f45-9708-019B960494DF}">
+            <a:ext uri="{91240B29-F687-4F45-9708-019B960494DF}">
               <a14:hiddenLine xmlns:a14="http://schemas.microsoft.com/office/drawing/2010/main" w="9525">
                 <a:solidFill>
                   <a:srgbClr val="000000"/>
@@ -5242,7 +5179,7 @@
   <p:clrMapOvr>
     <a:masterClrMapping/>
   </p:clrMapOvr>
-  <p:transition xmlns:p14="http://schemas.microsoft.com/office/powerpoint/2010/main"/>
+  <p:transition/>
 </p:sldLayout>
 </file>
 
@@ -5297,14 +5234,14 @@
             <a:noFill/>
           </a:ln>
           <a:extLst>
-            <a:ext uri="{909E8E84-426E-40dd-AFC4-6F175D3DCCD1}">
+            <a:ext uri="{909E8E84-426E-40DD-AFC4-6F175D3DCCD1}">
               <a14:hiddenFill xmlns:a14="http://schemas.microsoft.com/office/drawing/2010/main">
                 <a:solidFill>
                   <a:srgbClr val="FFFFFF"/>
                 </a:solidFill>
               </a14:hiddenFill>
             </a:ext>
-            <a:ext uri="{91240B29-F687-4f45-9708-019B960494DF}">
+            <a:ext uri="{91240B29-F687-4F45-9708-019B960494DF}">
               <a14:hiddenLine xmlns:a14="http://schemas.microsoft.com/office/drawing/2010/main" w="9525">
                 <a:solidFill>
                   <a:srgbClr val="000000"/>
@@ -5343,7 +5280,7 @@
             <a:tailEnd/>
           </a:ln>
           <a:extLst>
-            <a:ext uri="{909E8E84-426E-40dd-AFC4-6F175D3DCCD1}">
+            <a:ext uri="{909E8E84-426E-40DD-AFC4-6F175D3DCCD1}">
               <a14:hiddenFill xmlns:a14="http://schemas.microsoft.com/office/drawing/2010/main">
                 <a:noFill/>
               </a14:hiddenFill>
@@ -5384,7 +5321,7 @@
             <a:tailEnd/>
           </a:ln>
           <a:extLst>
-            <a:ext uri="{909E8E84-426E-40dd-AFC4-6F175D3DCCD1}">
+            <a:ext uri="{909E8E84-426E-40DD-AFC4-6F175D3DCCD1}">
               <a14:hiddenFill xmlns:a14="http://schemas.microsoft.com/office/drawing/2010/main">
                 <a:noFill/>
               </a14:hiddenFill>
@@ -5585,7 +5522,7 @@
   <p:clrMapOvr>
     <a:masterClrMapping/>
   </p:clrMapOvr>
-  <p:transition xmlns:p14="http://schemas.microsoft.com/office/powerpoint/2010/main"/>
+  <p:transition/>
 </p:sldLayout>
 </file>
 
@@ -5640,14 +5577,14 @@
             <a:noFill/>
           </a:ln>
           <a:extLst>
-            <a:ext uri="{909E8E84-426E-40dd-AFC4-6F175D3DCCD1}">
+            <a:ext uri="{909E8E84-426E-40DD-AFC4-6F175D3DCCD1}">
               <a14:hiddenFill xmlns:a14="http://schemas.microsoft.com/office/drawing/2010/main">
                 <a:solidFill>
                   <a:srgbClr val="FFFFFF"/>
                 </a:solidFill>
               </a14:hiddenFill>
             </a:ext>
-            <a:ext uri="{91240B29-F687-4f45-9708-019B960494DF}">
+            <a:ext uri="{91240B29-F687-4F45-9708-019B960494DF}">
               <a14:hiddenLine xmlns:a14="http://schemas.microsoft.com/office/drawing/2010/main" w="9525">
                 <a:solidFill>
                   <a:srgbClr val="000000"/>
@@ -5686,7 +5623,7 @@
             <a:tailEnd/>
           </a:ln>
           <a:extLst>
-            <a:ext uri="{909E8E84-426E-40dd-AFC4-6F175D3DCCD1}">
+            <a:ext uri="{909E8E84-426E-40DD-AFC4-6F175D3DCCD1}">
               <a14:hiddenFill xmlns:a14="http://schemas.microsoft.com/office/drawing/2010/main">
                 <a:noFill/>
               </a14:hiddenFill>
@@ -5727,7 +5664,7 @@
             <a:tailEnd/>
           </a:ln>
           <a:extLst>
-            <a:ext uri="{909E8E84-426E-40dd-AFC4-6F175D3DCCD1}">
+            <a:ext uri="{909E8E84-426E-40DD-AFC4-6F175D3DCCD1}">
               <a14:hiddenFill xmlns:a14="http://schemas.microsoft.com/office/drawing/2010/main">
                 <a:noFill/>
               </a14:hiddenFill>
@@ -5928,7 +5865,7 @@
   <p:clrMapOvr>
     <a:masterClrMapping/>
   </p:clrMapOvr>
-  <p:transition xmlns:p14="http://schemas.microsoft.com/office/powerpoint/2010/main"/>
+  <p:transition/>
 </p:sldLayout>
 </file>
 
@@ -5983,14 +5920,14 @@
             <a:noFill/>
           </a:ln>
           <a:extLst>
-            <a:ext uri="{909E8E84-426E-40dd-AFC4-6F175D3DCCD1}">
+            <a:ext uri="{909E8E84-426E-40DD-AFC4-6F175D3DCCD1}">
               <a14:hiddenFill xmlns:a14="http://schemas.microsoft.com/office/drawing/2010/main">
                 <a:solidFill>
                   <a:srgbClr val="FFFFFF"/>
                 </a:solidFill>
               </a14:hiddenFill>
             </a:ext>
-            <a:ext uri="{91240B29-F687-4f45-9708-019B960494DF}">
+            <a:ext uri="{91240B29-F687-4F45-9708-019B960494DF}">
               <a14:hiddenLine xmlns:a14="http://schemas.microsoft.com/office/drawing/2010/main" w="9525">
                 <a:solidFill>
                   <a:srgbClr val="000000"/>
@@ -6029,7 +5966,7 @@
             <a:tailEnd/>
           </a:ln>
           <a:extLst>
-            <a:ext uri="{909E8E84-426E-40dd-AFC4-6F175D3DCCD1}">
+            <a:ext uri="{909E8E84-426E-40DD-AFC4-6F175D3DCCD1}">
               <a14:hiddenFill xmlns:a14="http://schemas.microsoft.com/office/drawing/2010/main">
                 <a:noFill/>
               </a14:hiddenFill>
@@ -6070,7 +6007,7 @@
             <a:tailEnd/>
           </a:ln>
           <a:extLst>
-            <a:ext uri="{909E8E84-426E-40dd-AFC4-6F175D3DCCD1}">
+            <a:ext uri="{909E8E84-426E-40DD-AFC4-6F175D3DCCD1}">
               <a14:hiddenFill xmlns:a14="http://schemas.microsoft.com/office/drawing/2010/main">
                 <a:noFill/>
               </a14:hiddenFill>
@@ -6415,7 +6352,7 @@
   <p:clrMapOvr>
     <a:masterClrMapping/>
   </p:clrMapOvr>
-  <p:transition xmlns:p14="http://schemas.microsoft.com/office/powerpoint/2010/main"/>
+  <p:transition/>
 </p:sldLayout>
 </file>
 
@@ -6470,7 +6407,7 @@
             <a:tailEnd/>
           </a:ln>
           <a:extLst>
-            <a:ext uri="{909E8E84-426E-40dd-AFC4-6F175D3DCCD1}">
+            <a:ext uri="{909E8E84-426E-40DD-AFC4-6F175D3DCCD1}">
               <a14:hiddenFill xmlns:a14="http://schemas.microsoft.com/office/drawing/2010/main">
                 <a:noFill/>
               </a14:hiddenFill>
@@ -6511,7 +6448,7 @@
             <a:tailEnd/>
           </a:ln>
           <a:extLst>
-            <a:ext uri="{909E8E84-426E-40dd-AFC4-6F175D3DCCD1}">
+            <a:ext uri="{909E8E84-426E-40DD-AFC4-6F175D3DCCD1}">
               <a14:hiddenFill xmlns:a14="http://schemas.microsoft.com/office/drawing/2010/main">
                 <a:noFill/>
               </a14:hiddenFill>
@@ -6533,7 +6470,7 @@
     <p:sldLayoutId id="2147484107" r:id="rId1"/>
     <p:sldLayoutId id="2147484108" r:id="rId2"/>
   </p:sldLayoutIdLst>
-  <p:transition xmlns:p14="http://schemas.microsoft.com/office/powerpoint/2010/main"/>
+  <p:transition/>
   <p:txStyles>
     <p:titleStyle>
       <a:lvl1pPr algn="l" rtl="0" eaLnBrk="1" fontAlgn="base" hangingPunct="1">
@@ -7071,14 +7008,14 @@
           </a:ln>
           <a:effectLst/>
           <a:extLst>
-            <a:ext uri="{909E8E84-426E-40dd-AFC4-6F175D3DCCD1}">
+            <a:ext uri="{909E8E84-426E-40DD-AFC4-6F175D3DCCD1}">
               <a14:hiddenFill xmlns:a14="http://schemas.microsoft.com/office/drawing/2010/main">
                 <a:solidFill>
                   <a:srgbClr val="FFFFFF"/>
                 </a:solidFill>
               </a14:hiddenFill>
             </a:ext>
-            <a:ext uri="{91240B29-F687-4f45-9708-019B960494DF}">
+            <a:ext uri="{91240B29-F687-4F45-9708-019B960494DF}">
               <a14:hiddenLine xmlns:a14="http://schemas.microsoft.com/office/drawing/2010/main" w="12700">
                 <a:solidFill>
                   <a:schemeClr val="tx1"/>
@@ -7088,7 +7025,7 @@
                 <a:tailEnd/>
               </a14:hiddenLine>
             </a:ext>
-            <a:ext uri="{AF507438-7753-43e0-B8FC-AC1667EBCBE1}">
+            <a:ext uri="{AF507438-7753-43E0-B8FC-AC1667EBCBE1}">
               <a14:hiddenEffects xmlns:a14="http://schemas.microsoft.com/office/drawing/2010/main">
                 <a:effectLst>
                   <a:outerShdw blurRad="63500" dist="38099" dir="2700000" algn="ctr" rotWithShape="0">
@@ -7260,7 +7197,7 @@
             <a:tailEnd/>
           </a:ln>
           <a:extLst>
-            <a:ext uri="{909E8E84-426E-40dd-AFC4-6F175D3DCCD1}">
+            <a:ext uri="{909E8E84-426E-40DD-AFC4-6F175D3DCCD1}">
               <a14:hiddenFill xmlns:a14="http://schemas.microsoft.com/office/drawing/2010/main">
                 <a:noFill/>
               </a14:hiddenFill>
@@ -7301,7 +7238,7 @@
             <a:tailEnd/>
           </a:ln>
           <a:extLst>
-            <a:ext uri="{909E8E84-426E-40dd-AFC4-6F175D3DCCD1}">
+            <a:ext uri="{909E8E84-426E-40DD-AFC4-6F175D3DCCD1}">
               <a14:hiddenFill xmlns:a14="http://schemas.microsoft.com/office/drawing/2010/main">
                 <a:noFill/>
               </a14:hiddenFill>
@@ -7334,7 +7271,7 @@
     <p:sldLayoutId id="2147484105" r:id="rId12"/>
     <p:sldLayoutId id="2147484106" r:id="rId13"/>
   </p:sldLayoutIdLst>
-  <p:transition xmlns:p14="http://schemas.microsoft.com/office/powerpoint/2010/main"/>
+  <p:transition/>
   <p:hf hdr="0" ftr="0" dt="0"/>
   <p:txStyles>
     <p:titleStyle>
@@ -7894,11 +7831,11 @@
   <p:clrMapOvr>
     <a:masterClrMapping/>
   </p:clrMapOvr>
-  <p:transition xmlns:p14="http://schemas.microsoft.com/office/powerpoint/2010/main"/>
+  <p:transition/>
   <p:timing>
     <p:tnLst>
       <p:par>
-        <p:cTn xmlns:p14="http://schemas.microsoft.com/office/powerpoint/2010/main" id="1" dur="indefinite" restart="never" nodeType="tmRoot"/>
+        <p:cTn id="1" dur="indefinite" restart="never" nodeType="tmRoot"/>
       </p:par>
     </p:tnLst>
   </p:timing>
@@ -7938,14 +7875,14 @@
             <a:ext cx="8429625" cy="3695700"/>
           </a:xfrm>
           <a:extLst>
-            <a:ext uri="{909E8E84-426E-40dd-AFC4-6F175D3DCCD1}">
+            <a:ext uri="{909E8E84-426E-40DD-AFC4-6F175D3DCCD1}">
               <a14:hiddenFill xmlns:a14="http://schemas.microsoft.com/office/drawing/2010/main">
                 <a:solidFill>
                   <a:srgbClr val="FFFFFF"/>
                 </a:solidFill>
               </a14:hiddenFill>
             </a:ext>
-            <a:ext uri="{91240B29-F687-4f45-9708-019B960494DF}">
+            <a:ext uri="{91240B29-F687-4F45-9708-019B960494DF}">
               <a14:hiddenLine xmlns:a14="http://schemas.microsoft.com/office/drawing/2010/main" w="9525">
                 <a:solidFill>
                   <a:srgbClr val="000000"/>
@@ -7956,7 +7893,7 @@
               </a14:hiddenLine>
             </a:ext>
             <a:ext uri="{FAA26D3D-D897-4be2-8F04-BA451C77F1D7}">
-              <ma14:placeholderFlag xmlns:ma14="http://schemas.microsoft.com/office/mac/drawingml/2011/main" val="1"/>
+              <ma14:placeholderFlag xmlns="" xmlns:ma14="http://schemas.microsoft.com/office/mac/drawingml/2011/main" val="1"/>
             </a:ext>
           </a:extLst>
         </p:spPr>
@@ -7970,113 +7907,164 @@
           <a:p>
             <a:pPr>
               <a:lnSpc>
-                <a:spcPct val="110000"/>
+                <a:spcPts val="3600"/>
               </a:lnSpc>
-              <a:spcBef>
-                <a:spcPts val="1200"/>
-              </a:spcBef>
-              <a:spcAft>
-                <a:spcPts val="1200"/>
-              </a:spcAft>
               <a:defRPr/>
             </a:pPr>
+            <a:r>
+              <a:rPr lang="en-US" sz="3000" smtClean="0">
+                <a:latin typeface="PFDinTextCompPro-Bold" charset="0"/>
+                <a:ea typeface="ヒラギノ角ゴ ProN W6" charset="0"/>
+                <a:cs typeface="ヒラギノ角ゴ ProN W6" charset="0"/>
+              </a:rPr>
+              <a:t/>
+            </a:r>
+            <a:br>
+              <a:rPr lang="en-US" sz="3000" smtClean="0">
+                <a:latin typeface="PFDinTextCompPro-Bold" charset="0"/>
+                <a:ea typeface="ヒラギノ角ゴ ProN W6" charset="0"/>
+                <a:cs typeface="ヒラギノ角ゴ ProN W6" charset="0"/>
+              </a:rPr>
+            </a:br>
+            <a:r>
+              <a:rPr lang="en-US" sz="3000" smtClean="0">
+                <a:latin typeface="PFDinTextCompPro-Bold" charset="0"/>
+                <a:ea typeface="ヒラギノ角ゴ ProN W6" charset="0"/>
+                <a:cs typeface="ヒラギノ角ゴ ProN W6" charset="0"/>
+              </a:rPr>
+              <a:t>I</a:t>
+            </a:r>
             <a:r>
               <a:rPr lang="en-US" sz="3000" dirty="0" smtClean="0">
                 <a:latin typeface="PFDinTextCompPro-Bold" charset="0"/>
                 <a:ea typeface="ヒラギノ角ゴ ProN W6" charset="0"/>
                 <a:cs typeface="ヒラギノ角ゴ ProN W6" charset="0"/>
               </a:rPr>
-              <a:t>0. 	Meet Your Instructors</a:t>
+              <a:t>. Instructor Philosophy</a:t>
+            </a:r>
+            <a:r>
+              <a:rPr lang="en-US" sz="3000" smtClean="0">
+                <a:latin typeface="PFDinTextCompPro-Bold" charset="0"/>
+                <a:ea typeface="ヒラギノ角ゴ ProN W6" charset="0"/>
+                <a:cs typeface="ヒラギノ角ゴ ProN W6" charset="0"/>
+              </a:rPr>
+              <a:t/>
             </a:r>
             <a:br>
+              <a:rPr lang="en-US" sz="3000" smtClean="0">
+                <a:latin typeface="PFDinTextCompPro-Bold" charset="0"/>
+                <a:ea typeface="ヒラギノ角ゴ ProN W6" charset="0"/>
+                <a:cs typeface="ヒラギノ角ゴ ProN W6" charset="0"/>
+              </a:rPr>
+            </a:br>
+            <a:r>
+              <a:rPr lang="en-US" sz="3000" smtClean="0">
+                <a:latin typeface="PFDinTextCompPro-Bold" charset="0"/>
+                <a:ea typeface="ヒラギノ角ゴ ProN W6" charset="0"/>
+                <a:cs typeface="ヒラギノ角ゴ ProN W6" charset="0"/>
+              </a:rPr>
+              <a:t>II</a:t>
+            </a:r>
+            <a:r>
               <a:rPr lang="en-US" sz="3000" dirty="0" smtClean="0">
                 <a:latin typeface="PFDinTextCompPro-Bold" charset="0"/>
                 <a:ea typeface="ヒラギノ角ゴ ProN W6" charset="0"/>
                 <a:cs typeface="ヒラギノ角ゴ ProN W6" charset="0"/>
               </a:rPr>
+              <a:t>. Content Philosophy</a:t>
+            </a:r>
+            <a:r>
+              <a:rPr lang="en-US" sz="3000" smtClean="0">
+                <a:latin typeface="PFDinTextCompPro-Bold" charset="0"/>
+                <a:ea typeface="ヒラギノ角ゴ ProN W6" charset="0"/>
+                <a:cs typeface="ヒラギノ角ゴ ProN W6" charset="0"/>
+              </a:rPr>
+              <a:t/>
+            </a:r>
+            <a:br>
+              <a:rPr lang="en-US" sz="3000" smtClean="0">
+                <a:latin typeface="PFDinTextCompPro-Bold" charset="0"/>
+                <a:ea typeface="ヒラギノ角ゴ ProN W6" charset="0"/>
+                <a:cs typeface="ヒラギノ角ゴ ProN W6" charset="0"/>
+              </a:rPr>
             </a:br>
+            <a:r>
+              <a:rPr lang="en-US" sz="3000" smtClean="0">
+                <a:latin typeface="PFDinTextCompPro-Bold" charset="0"/>
+                <a:ea typeface="ヒラギノ角ゴ ProN W6" charset="0"/>
+                <a:cs typeface="ヒラギノ角ゴ ProN W6" charset="0"/>
+              </a:rPr>
+              <a:t>III. </a:t>
+            </a:r>
             <a:r>
               <a:rPr lang="en-US" sz="3000" dirty="0" smtClean="0">
                 <a:latin typeface="PFDinTextCompPro-Bold" charset="0"/>
                 <a:ea typeface="ヒラギノ角ゴ ProN W6" charset="0"/>
                 <a:cs typeface="ヒラギノ角ゴ ProN W6" charset="0"/>
               </a:rPr>
-              <a:t>I.	Instructor Philosophy</a:t>
+              <a:t>How to Succeed</a:t>
+            </a:r>
+            <a:r>
+              <a:rPr lang="en-US" sz="3000" smtClean="0">
+                <a:latin typeface="PFDinTextCompPro-Bold" charset="0"/>
+                <a:ea typeface="ヒラギノ角ゴ ProN W6" charset="0"/>
+                <a:cs typeface="ヒラギノ角ゴ ProN W6" charset="0"/>
+              </a:rPr>
+              <a:t/>
             </a:r>
             <a:br>
+              <a:rPr lang="en-US" sz="3000" smtClean="0">
+                <a:latin typeface="PFDinTextCompPro-Bold" charset="0"/>
+                <a:ea typeface="ヒラギノ角ゴ ProN W6" charset="0"/>
+                <a:cs typeface="ヒラギノ角ゴ ProN W6" charset="0"/>
+              </a:rPr>
+            </a:br>
+            <a:r>
+              <a:rPr lang="en-US" sz="3000" smtClean="0">
+                <a:latin typeface="PFDinTextCompPro-Bold" charset="0"/>
+                <a:ea typeface="ヒラギノ角ゴ ProN W6" charset="0"/>
+                <a:cs typeface="ヒラギノ角ゴ ProN W6" charset="0"/>
+              </a:rPr>
+              <a:t>IV</a:t>
+            </a:r>
+            <a:r>
               <a:rPr lang="en-US" sz="3000" dirty="0" smtClean="0">
                 <a:latin typeface="PFDinTextCompPro-Bold" charset="0"/>
                 <a:ea typeface="ヒラギノ角ゴ ProN W6" charset="0"/>
                 <a:cs typeface="ヒラギノ角ゴ ProN W6" charset="0"/>
               </a:rPr>
-            </a:br>
-            <a:r>
-              <a:rPr lang="en-US" sz="3000" dirty="0" smtClean="0">
+              <a:t>. Typical Class</a:t>
+            </a:r>
+            <a:r>
+              <a:rPr lang="en-US" sz="3000" smtClean="0">
                 <a:latin typeface="PFDinTextCompPro-Bold" charset="0"/>
                 <a:ea typeface="ヒラギノ角ゴ ProN W6" charset="0"/>
                 <a:cs typeface="ヒラギノ角ゴ ProN W6" charset="0"/>
               </a:rPr>
-              <a:t>II. 	Content Philosophy</a:t>
+              <a:t/>
             </a:r>
             <a:br>
-              <a:rPr lang="en-US" sz="3000" dirty="0" smtClean="0">
+              <a:rPr lang="en-US" sz="3000" smtClean="0">
                 <a:latin typeface="PFDinTextCompPro-Bold" charset="0"/>
                 <a:ea typeface="ヒラギノ角ゴ ProN W6" charset="0"/>
                 <a:cs typeface="ヒラギノ角ゴ ProN W6" charset="0"/>
               </a:rPr>
             </a:br>
             <a:r>
-              <a:rPr lang="en-US" sz="3000" dirty="0" smtClean="0">
+              <a:rPr lang="en-US" sz="3000" smtClean="0">
                 <a:latin typeface="PFDinTextCompPro-Bold" charset="0"/>
                 <a:ea typeface="ヒラギノ角ゴ ProN W6" charset="0"/>
                 <a:cs typeface="ヒラギノ角ゴ ProN W6" charset="0"/>
               </a:rPr>
-              <a:t>III. 	How to Succeed</a:t>
-            </a:r>
-            <a:br>
-              <a:rPr lang="en-US" sz="3000" dirty="0" smtClean="0">
+              <a:t>V. </a:t>
+            </a:r>
+            <a:r>
+              <a:rPr lang="en-US" sz="3000" smtClean="0">
                 <a:latin typeface="PFDinTextCompPro-Bold" charset="0"/>
                 <a:ea typeface="ヒラギノ角ゴ ProN W6" charset="0"/>
                 <a:cs typeface="ヒラギノ角ゴ ProN W6" charset="0"/>
               </a:rPr>
-            </a:br>
-            <a:r>
-              <a:rPr lang="en-US" sz="3000" dirty="0" smtClean="0">
-                <a:latin typeface="PFDinTextCompPro-Bold" charset="0"/>
-                <a:ea typeface="ヒラギノ角ゴ ProN W6" charset="0"/>
-                <a:cs typeface="ヒラギノ角ゴ ProN W6" charset="0"/>
-              </a:rPr>
-              <a:t>IV. 	Typical Class</a:t>
-            </a:r>
-            <a:br>
-              <a:rPr lang="en-US" sz="3000" dirty="0" smtClean="0">
-                <a:latin typeface="PFDinTextCompPro-Bold" charset="0"/>
-                <a:ea typeface="ヒラギノ角ゴ ProN W6" charset="0"/>
-                <a:cs typeface="ヒラギノ角ゴ ProN W6" charset="0"/>
-              </a:rPr>
-            </a:br>
-            <a:r>
-              <a:rPr lang="en-US" sz="3000" dirty="0" smtClean="0">
-                <a:latin typeface="PFDinTextCompPro-Bold" charset="0"/>
-                <a:ea typeface="ヒラギノ角ゴ ProN W6" charset="0"/>
-                <a:cs typeface="ヒラギノ角ゴ ProN W6" charset="0"/>
-              </a:rPr>
-              <a:t>V. 	Logistics</a:t>
-            </a:r>
-            <a:br>
-              <a:rPr lang="en-US" sz="3000" dirty="0" smtClean="0">
-                <a:latin typeface="PFDinTextCompPro-Bold" charset="0"/>
-                <a:ea typeface="ヒラギノ角ゴ ProN W6" charset="0"/>
-                <a:cs typeface="ヒラギノ角ゴ ProN W6" charset="0"/>
-              </a:rPr>
-            </a:br>
-            <a:r>
-              <a:rPr lang="en-US" sz="3000" dirty="0" smtClean="0">
-                <a:latin typeface="PFDinTextCompPro-Bold" charset="0"/>
-                <a:ea typeface="ヒラギノ角ゴ ProN W6" charset="0"/>
-                <a:cs typeface="ヒラギノ角ゴ ProN W6" charset="0"/>
-              </a:rPr>
-              <a:t>VI. 	Questions?</a:t>
+              <a:t>Logistics</a:t>
             </a:r>
             <a:endParaRPr lang="en-US" sz="3000" cap="none" dirty="0">
               <a:latin typeface="PFDinTextCompPro-Bold" charset="0"/>
@@ -8172,11 +8160,11 @@
   <p:clrMapOvr>
     <a:masterClrMapping/>
   </p:clrMapOvr>
-  <p:transition xmlns:p14="http://schemas.microsoft.com/office/powerpoint/2010/main"/>
+  <p:transition/>
   <p:timing>
     <p:tnLst>
       <p:par>
-        <p:cTn xmlns:p14="http://schemas.microsoft.com/office/powerpoint/2010/main" id="1" dur="indefinite" restart="never" nodeType="tmRoot"/>
+        <p:cTn id="1" dur="indefinite" restart="never" nodeType="tmRoot"/>
       </p:par>
     </p:tnLst>
   </p:timing>
@@ -8202,146 +8190,7 @@
       </p:grpSpPr>
       <p:sp>
         <p:nvSpPr>
-          <p:cNvPr id="19457" name="Title 1"/>
-          <p:cNvSpPr>
-            <a:spLocks noGrp="1"/>
-          </p:cNvSpPr>
-          <p:nvPr>
-            <p:ph type="ctrTitle"/>
-          </p:nvPr>
-        </p:nvSpPr>
-        <p:spPr bwMode="auto">
-          <a:xfrm>
-            <a:off x="414337" y="1644283"/>
-            <a:ext cx="8429625" cy="2959835"/>
-          </a:xfrm>
-          <a:extLst>
-            <a:ext uri="{909E8E84-426E-40dd-AFC4-6F175D3DCCD1}">
-              <a14:hiddenFill xmlns:a14="http://schemas.microsoft.com/office/drawing/2010/main">
-                <a:solidFill>
-                  <a:srgbClr val="FFFFFF"/>
-                </a:solidFill>
-              </a14:hiddenFill>
-            </a:ext>
-            <a:ext uri="{91240B29-F687-4f45-9708-019B960494DF}">
-              <a14:hiddenLine xmlns:a14="http://schemas.microsoft.com/office/drawing/2010/main" w="9525">
-                <a:solidFill>
-                  <a:srgbClr val="000000"/>
-                </a:solidFill>
-                <a:miter lim="800000"/>
-                <a:headEnd/>
-                <a:tailEnd/>
-              </a14:hiddenLine>
-            </a:ext>
-            <a:ext uri="{FAA26D3D-D897-4be2-8F04-BA451C77F1D7}">
-              <ma14:placeholderFlag xmlns:ma14="http://schemas.microsoft.com/office/mac/drawingml/2011/main" val="1"/>
-            </a:ext>
-          </a:extLst>
-        </p:spPr>
-        <p:txBody>
-          <a:bodyPr wrap="square" numCol="1" anchor="t" anchorCtr="0" compatLnSpc="1">
-            <a:prstTxWarp prst="textNoShape">
-              <a:avLst/>
-            </a:prstTxWarp>
-          </a:bodyPr>
-          <a:lstStyle/>
-          <a:p>
-            <a:pPr>
-              <a:lnSpc>
-                <a:spcPts val="3600"/>
-              </a:lnSpc>
-              <a:defRPr/>
-            </a:pPr>
-            <a:r>
-              <a:rPr lang="en-US" sz="6000" b="0" cap="none" dirty="0" smtClean="0">
-                <a:latin typeface="PFDinTextCompPro-Bold" panose="02000806000000020004" pitchFamily="2" charset="0"/>
-                <a:ea typeface="ヒラギノ角ゴ ProN W6" charset="0"/>
-                <a:cs typeface="ヒラギノ角ゴ ProN W6" charset="0"/>
-              </a:rPr>
-              <a:t>SINAN </a:t>
-            </a:r>
-            <a:r>
-              <a:rPr lang="en-US" sz="6000" b="0" cap="none" dirty="0" smtClean="0">
-                <a:latin typeface="PFDinTextCompPro-Bold" panose="02000806000000020004" pitchFamily="2" charset="0"/>
-                <a:ea typeface="ヒラギノ角ゴ ProN W6" charset="0"/>
-                <a:cs typeface="ヒラギノ角ゴ ProN W6" charset="0"/>
-              </a:rPr>
-              <a:t>OZDEMIR</a:t>
-            </a:r>
-            <a:r>
-              <a:rPr lang="en-US" sz="6000" b="0" cap="none" dirty="0" smtClean="0">
-                <a:latin typeface="PFDinTextCompPro-Bold" panose="02000806000000020004" pitchFamily="2" charset="0"/>
-                <a:ea typeface="ヒラギノ角ゴ ProN W6" charset="0"/>
-                <a:cs typeface="ヒラギノ角ゴ ProN W6" charset="0"/>
-              </a:rPr>
-              <a:t/>
-            </a:r>
-            <a:br>
-              <a:rPr lang="en-US" sz="6000" b="0" cap="none" dirty="0" smtClean="0">
-                <a:latin typeface="PFDinTextCompPro-Bold" panose="02000806000000020004" pitchFamily="2" charset="0"/>
-                <a:ea typeface="ヒラギノ角ゴ ProN W6" charset="0"/>
-                <a:cs typeface="ヒラギノ角ゴ ProN W6" charset="0"/>
-              </a:rPr>
-            </a:br>
-            <a:r>
-              <a:rPr lang="en-US" sz="3200" b="0" cap="none" dirty="0" smtClean="0">
-                <a:latin typeface="PFDinTextCompPro-Bold" panose="02000806000000020004" pitchFamily="2" charset="0"/>
-                <a:ea typeface="ヒラギノ角ゴ ProN W6" charset="0"/>
-                <a:cs typeface="ヒラギノ角ゴ ProN W6" charset="0"/>
-              </a:rPr>
-              <a:t>FOUNDER</a:t>
-            </a:r>
-            <a:r>
-              <a:rPr lang="en-US" sz="3200" b="0" cap="none" dirty="0" smtClean="0">
-                <a:latin typeface="PFDinTextCompPro-Bold" panose="02000806000000020004" pitchFamily="2" charset="0"/>
-                <a:ea typeface="ヒラギノ角ゴ ProN W6" charset="0"/>
-                <a:cs typeface="ヒラギノ角ゴ ProN W6" charset="0"/>
-              </a:rPr>
-              <a:t>, </a:t>
-            </a:r>
-            <a:r>
-              <a:rPr lang="en-US" sz="3200" b="0" cap="none" dirty="0" smtClean="0">
-                <a:latin typeface="PFDinTextCompPro-Bold" panose="02000806000000020004" pitchFamily="2" charset="0"/>
-                <a:ea typeface="ヒラギノ角ゴ ProN W6" charset="0"/>
-                <a:cs typeface="ヒラギノ角ゴ ProN W6" charset="0"/>
-                <a:hlinkClick r:id="rId3"/>
-              </a:rPr>
-              <a:t>TIER5 </a:t>
-            </a:r>
-            <a:r>
-              <a:rPr lang="en-US" sz="3200" b="0" cap="none" dirty="0" smtClean="0">
-                <a:latin typeface="PFDinTextCompPro-Bold" panose="02000806000000020004" pitchFamily="2" charset="0"/>
-                <a:ea typeface="ヒラギノ角ゴ ProN W6" charset="0"/>
-                <a:cs typeface="ヒラギノ角ゴ ProN W6" charset="0"/>
-              </a:rPr>
-              <a:t>&amp; </a:t>
-            </a:r>
-            <a:r>
-              <a:rPr lang="en-US" sz="3200" b="0" cap="none" dirty="0" smtClean="0">
-                <a:latin typeface="PFDinTextCompPro-Bold" panose="02000806000000020004" pitchFamily="2" charset="0"/>
-                <a:ea typeface="ヒラギノ角ゴ ProN W6" charset="0"/>
-                <a:cs typeface="ヒラギノ角ゴ ProN W6" charset="0"/>
-              </a:rPr>
-              <a:t>PROFESSOR, JOHNS HOPKINS</a:t>
-            </a:r>
-            <a:br>
-              <a:rPr lang="en-US" sz="3200" b="0" cap="none" dirty="0" smtClean="0">
-                <a:latin typeface="PFDinTextCompPro-Bold" panose="02000806000000020004" pitchFamily="2" charset="0"/>
-                <a:ea typeface="ヒラギノ角ゴ ProN W6" charset="0"/>
-                <a:cs typeface="ヒラギノ角ゴ ProN W6" charset="0"/>
-              </a:rPr>
-            </a:br>
-            <a:endParaRPr lang="en-US" sz="3200" b="0" cap="none" dirty="0">
-              <a:latin typeface="+mn-lt"/>
-              <a:ea typeface="ヒラギノ角ゴ ProN W6" charset="0"/>
-              <a:cs typeface="ヒラギノ角ゴ ProN W6" charset="0"/>
-            </a:endParaRPr>
-          </a:p>
-        </p:txBody>
-      </p:sp>
-      <p:sp>
-        <p:nvSpPr>
-          <p:cNvPr id="11" name="Content Placeholder 10"/>
+          <p:cNvPr id="4" name="Content Placeholder 3"/>
           <p:cNvSpPr>
             <a:spLocks noGrp="1"/>
           </p:cNvSpPr>
@@ -8351,8 +8200,8 @@
         </p:nvSpPr>
         <p:spPr>
           <a:xfrm>
-            <a:off x="371475" y="495300"/>
-            <a:ext cx="7129463" cy="304800"/>
+            <a:off x="414337" y="495300"/>
+            <a:ext cx="6400800" cy="304800"/>
           </a:xfrm>
         </p:spPr>
         <p:txBody>
@@ -8366,29 +8215,15 @@
               <a:defRPr/>
             </a:pPr>
             <a:r>
-              <a:rPr lang="en-US" dirty="0" smtClean="0">
-                <a:latin typeface="PFDinTextCompPro-Bold" charset="0"/>
-                <a:ea typeface="ＭＳ Ｐゴシック" charset="0"/>
-                <a:cs typeface="PFDinTextCompPro-Bold" charset="0"/>
-                <a:sym typeface="PFDinTextCompPro-Bold" charset="0"/>
-              </a:rPr>
-              <a:t>MEET YOUR INSTRUCTORS</a:t>
-            </a:r>
-          </a:p>
-          <a:p>
-            <a:pPr eaLnBrk="1" hangingPunct="1">
-              <a:lnSpc>
-                <a:spcPts val="2448"/>
-              </a:lnSpc>
-              <a:defRPr/>
-            </a:pPr>
-            <a:endParaRPr lang="en-US" dirty="0" smtClean="0"/>
+              <a:rPr lang="en-US" dirty="0" smtClean="0"/>
+              <a:t>Instructor Philosophy</a:t>
+            </a:r>
           </a:p>
         </p:txBody>
       </p:sp>
       <p:sp>
         <p:nvSpPr>
-          <p:cNvPr id="6" name="Slide Number Placeholder 3"/>
+          <p:cNvPr id="8" name="Slide Number Placeholder 3"/>
           <p:cNvSpPr>
             <a:spLocks noGrp="1"/>
           </p:cNvSpPr>
@@ -8404,7 +8239,7 @@
             <a:pPr>
               <a:defRPr/>
             </a:pPr>
-            <a:fld id="{6F4A1B40-4074-4A43-A415-862C3E2C2127}" type="slidenum">
+            <a:fld id="{BD5AD749-DAD1-6A4A-A2AA-CB20EAD0AEB7}" type="slidenum">
               <a:rPr lang="en-US"/>
               <a:pPr>
                 <a:defRPr/>
@@ -8415,16 +8250,325 @@
           </a:p>
         </p:txBody>
       </p:sp>
+      <p:sp>
+        <p:nvSpPr>
+          <p:cNvPr id="5" name="Rectangle 4"/>
+          <p:cNvSpPr/>
+          <p:nvPr/>
+        </p:nvSpPr>
+        <p:spPr>
+          <a:xfrm>
+            <a:off x="1100137" y="1257300"/>
+            <a:ext cx="6858000" cy="2246769"/>
+          </a:xfrm>
+          <a:prstGeom prst="rect">
+            <a:avLst/>
+          </a:prstGeom>
+        </p:spPr>
+        <p:txBody>
+          <a:bodyPr wrap="square">
+            <a:spAutoFit/>
+          </a:bodyPr>
+          <a:lstStyle/>
+          <a:p>
+            <a:pPr marL="285750" indent="-285750" algn="l">
+              <a:buFont typeface="Arial"/>
+              <a:buChar char="•"/>
+            </a:pPr>
+            <a:r>
+              <a:rPr lang="en-US" sz="2000" dirty="0" smtClean="0"/>
+              <a:t>Embrace diversity</a:t>
+            </a:r>
+          </a:p>
+          <a:p>
+            <a:pPr marL="285750" indent="-285750" algn="l">
+              <a:buFont typeface="Arial"/>
+              <a:buChar char="•"/>
+            </a:pPr>
+            <a:endParaRPr lang="en-US" sz="2000" dirty="0"/>
+          </a:p>
+          <a:p>
+            <a:pPr marL="285750" indent="-285750" algn="l">
+              <a:buFont typeface="Arial"/>
+              <a:buChar char="•"/>
+            </a:pPr>
+            <a:r>
+              <a:rPr lang="en-US" sz="2000" dirty="0" smtClean="0"/>
+              <a:t>Seek an optimal pace</a:t>
+            </a:r>
+          </a:p>
+          <a:p>
+            <a:pPr marL="285750" indent="-285750" algn="l">
+              <a:buFont typeface="Arial"/>
+              <a:buChar char="•"/>
+            </a:pPr>
+            <a:endParaRPr lang="en-US" sz="2000" dirty="0"/>
+          </a:p>
+          <a:p>
+            <a:pPr marL="285750" indent="-285750" algn="l">
+              <a:buFont typeface="Arial"/>
+              <a:buChar char="•"/>
+            </a:pPr>
+            <a:r>
+              <a:rPr lang="en-US" sz="2000" dirty="0" smtClean="0"/>
+              <a:t>Communicate early and often</a:t>
+            </a:r>
+          </a:p>
+          <a:p>
+            <a:pPr algn="l"/>
+            <a:endParaRPr lang="en-US" sz="2000" dirty="0"/>
+          </a:p>
+          <a:p>
+            <a:pPr marL="285750" indent="-285750" algn="l">
+              <a:buFont typeface="Arial"/>
+              <a:buChar char="•"/>
+            </a:pPr>
+            <a:r>
+              <a:rPr lang="en-US" sz="2000" dirty="0" smtClean="0"/>
+              <a:t>Success is not </a:t>
+            </a:r>
+            <a:r>
+              <a:rPr lang="en-US" sz="2000" smtClean="0"/>
+              <a:t>a grade</a:t>
+            </a:r>
+            <a:endParaRPr lang="en-US" sz="2000" dirty="0" smtClean="0"/>
+          </a:p>
+        </p:txBody>
+      </p:sp>
     </p:spTree>
+    <p:extLst>
+      <p:ext uri="{BB962C8B-B14F-4D97-AF65-F5344CB8AC3E}">
+        <p14:creationId xmlns:p14="http://schemas.microsoft.com/office/powerpoint/2010/main" val="3062458698"/>
+      </p:ext>
+    </p:extLst>
   </p:cSld>
   <p:clrMapOvr>
     <a:masterClrMapping/>
   </p:clrMapOvr>
-  <p:transition xmlns:p14="http://schemas.microsoft.com/office/powerpoint/2010/main"/>
+  <p:transition/>
   <p:timing>
     <p:tnLst>
       <p:par>
-        <p:cTn xmlns:p14="http://schemas.microsoft.com/office/powerpoint/2010/main" id="1" dur="indefinite" restart="never" nodeType="tmRoot"/>
+        <p:cTn id="1" dur="indefinite" restart="never" nodeType="tmRoot">
+          <p:childTnLst>
+            <p:seq concurrent="1" nextAc="seek">
+              <p:cTn id="2" dur="indefinite" nodeType="mainSeq">
+                <p:childTnLst>
+                  <p:par>
+                    <p:cTn id="3" fill="hold">
+                      <p:stCondLst>
+                        <p:cond delay="indefinite"/>
+                      </p:stCondLst>
+                      <p:childTnLst>
+                        <p:par>
+                          <p:cTn id="4" fill="hold">
+                            <p:stCondLst>
+                              <p:cond delay="0"/>
+                            </p:stCondLst>
+                            <p:childTnLst>
+                              <p:par>
+                                <p:cTn id="5" presetID="1" presetClass="entr" presetSubtype="0" fill="hold" nodeType="clickEffect">
+                                  <p:stCondLst>
+                                    <p:cond delay="0"/>
+                                  </p:stCondLst>
+                                  <p:childTnLst>
+                                    <p:set>
+                                      <p:cBhvr>
+                                        <p:cTn id="6" dur="1" fill="hold">
+                                          <p:stCondLst>
+                                            <p:cond delay="0"/>
+                                          </p:stCondLst>
+                                        </p:cTn>
+                                        <p:tgtEl>
+                                          <p:spTgt spid="5">
+                                            <p:txEl>
+                                              <p:pRg st="0" end="0"/>
+                                            </p:txEl>
+                                          </p:spTgt>
+                                        </p:tgtEl>
+                                        <p:attrNameLst>
+                                          <p:attrName>style.visibility</p:attrName>
+                                        </p:attrNameLst>
+                                      </p:cBhvr>
+                                      <p:to>
+                                        <p:strVal val="visible"/>
+                                      </p:to>
+                                    </p:set>
+                                  </p:childTnLst>
+                                </p:cTn>
+                              </p:par>
+                            </p:childTnLst>
+                          </p:cTn>
+                        </p:par>
+                      </p:childTnLst>
+                    </p:cTn>
+                  </p:par>
+                  <p:par>
+                    <p:cTn id="7" fill="hold">
+                      <p:stCondLst>
+                        <p:cond delay="indefinite"/>
+                      </p:stCondLst>
+                      <p:childTnLst>
+                        <p:par>
+                          <p:cTn id="8" fill="hold">
+                            <p:stCondLst>
+                              <p:cond delay="0"/>
+                            </p:stCondLst>
+                            <p:childTnLst>
+                              <p:par>
+                                <p:cTn id="9" presetID="1" presetClass="entr" presetSubtype="0" fill="hold" nodeType="clickEffect">
+                                  <p:stCondLst>
+                                    <p:cond delay="0"/>
+                                  </p:stCondLst>
+                                  <p:childTnLst>
+                                    <p:set>
+                                      <p:cBhvr>
+                                        <p:cTn id="10" dur="1" fill="hold">
+                                          <p:stCondLst>
+                                            <p:cond delay="0"/>
+                                          </p:stCondLst>
+                                        </p:cTn>
+                                        <p:tgtEl>
+                                          <p:spTgt spid="5">
+                                            <p:txEl>
+                                              <p:pRg st="2" end="2"/>
+                                            </p:txEl>
+                                          </p:spTgt>
+                                        </p:tgtEl>
+                                        <p:attrNameLst>
+                                          <p:attrName>style.visibility</p:attrName>
+                                        </p:attrNameLst>
+                                      </p:cBhvr>
+                                      <p:to>
+                                        <p:strVal val="visible"/>
+                                      </p:to>
+                                    </p:set>
+                                  </p:childTnLst>
+                                </p:cTn>
+                              </p:par>
+                            </p:childTnLst>
+                          </p:cTn>
+                        </p:par>
+                      </p:childTnLst>
+                    </p:cTn>
+                  </p:par>
+                  <p:par>
+                    <p:cTn id="11" fill="hold">
+                      <p:stCondLst>
+                        <p:cond delay="indefinite"/>
+                      </p:stCondLst>
+                      <p:childTnLst>
+                        <p:par>
+                          <p:cTn id="12" fill="hold">
+                            <p:stCondLst>
+                              <p:cond delay="0"/>
+                            </p:stCondLst>
+                            <p:childTnLst>
+                              <p:par>
+                                <p:cTn id="13" presetID="1" presetClass="entr" presetSubtype="0" fill="hold" nodeType="clickEffect">
+                                  <p:stCondLst>
+                                    <p:cond delay="0"/>
+                                  </p:stCondLst>
+                                  <p:childTnLst>
+                                    <p:set>
+                                      <p:cBhvr>
+                                        <p:cTn id="14" dur="1" fill="hold">
+                                          <p:stCondLst>
+                                            <p:cond delay="0"/>
+                                          </p:stCondLst>
+                                        </p:cTn>
+                                        <p:tgtEl>
+                                          <p:spTgt spid="5">
+                                            <p:txEl>
+                                              <p:pRg st="4" end="4"/>
+                                            </p:txEl>
+                                          </p:spTgt>
+                                        </p:tgtEl>
+                                        <p:attrNameLst>
+                                          <p:attrName>style.visibility</p:attrName>
+                                        </p:attrNameLst>
+                                      </p:cBhvr>
+                                      <p:to>
+                                        <p:strVal val="visible"/>
+                                      </p:to>
+                                    </p:set>
+                                  </p:childTnLst>
+                                </p:cTn>
+                              </p:par>
+                            </p:childTnLst>
+                          </p:cTn>
+                        </p:par>
+                      </p:childTnLst>
+                    </p:cTn>
+                  </p:par>
+                  <p:par>
+                    <p:cTn id="15" fill="hold">
+                      <p:stCondLst>
+                        <p:cond delay="indefinite"/>
+                      </p:stCondLst>
+                      <p:childTnLst>
+                        <p:par>
+                          <p:cTn id="16" fill="hold">
+                            <p:stCondLst>
+                              <p:cond delay="0"/>
+                            </p:stCondLst>
+                            <p:childTnLst>
+                              <p:par>
+                                <p:cTn id="17" presetID="1" presetClass="entr" presetSubtype="0" fill="hold" nodeType="clickEffect">
+                                  <p:stCondLst>
+                                    <p:cond delay="0"/>
+                                  </p:stCondLst>
+                                  <p:childTnLst>
+                                    <p:set>
+                                      <p:cBhvr>
+                                        <p:cTn id="18" dur="1" fill="hold">
+                                          <p:stCondLst>
+                                            <p:cond delay="0"/>
+                                          </p:stCondLst>
+                                        </p:cTn>
+                                        <p:tgtEl>
+                                          <p:spTgt spid="5">
+                                            <p:txEl>
+                                              <p:pRg st="6" end="6"/>
+                                            </p:txEl>
+                                          </p:spTgt>
+                                        </p:tgtEl>
+                                        <p:attrNameLst>
+                                          <p:attrName>style.visibility</p:attrName>
+                                        </p:attrNameLst>
+                                      </p:cBhvr>
+                                      <p:to>
+                                        <p:strVal val="visible"/>
+                                      </p:to>
+                                    </p:set>
+                                  </p:childTnLst>
+                                </p:cTn>
+                              </p:par>
+                            </p:childTnLst>
+                          </p:cTn>
+                        </p:par>
+                      </p:childTnLst>
+                    </p:cTn>
+                  </p:par>
+                </p:childTnLst>
+              </p:cTn>
+              <p:prevCondLst>
+                <p:cond evt="onPrev" delay="0">
+                  <p:tgtEl>
+                    <p:sldTgt/>
+                  </p:tgtEl>
+                </p:cond>
+              </p:prevCondLst>
+              <p:nextCondLst>
+                <p:cond evt="onNext" delay="0">
+                  <p:tgtEl>
+                    <p:sldTgt/>
+                  </p:tgtEl>
+                </p:cond>
+              </p:nextCondLst>
+            </p:seq>
+          </p:childTnLst>
+        </p:cTn>
       </p:par>
     </p:tnLst>
   </p:timing>
@@ -8476,7 +8620,7 @@
             </a:pPr>
             <a:r>
               <a:rPr lang="en-US" dirty="0" smtClean="0"/>
-              <a:t>Instructor Philosophy</a:t>
+              <a:t>Content Philosophy</a:t>
             </a:r>
           </a:p>
         </p:txBody>
@@ -8536,9 +8680,10 @@
               <a:buChar char="•"/>
             </a:pPr>
             <a:r>
-              <a:rPr lang="en-US" sz="2000" dirty="0" smtClean="0"/>
-              <a:t>Embrace diversity</a:t>
-            </a:r>
+              <a:rPr lang="en-US" sz="2000" smtClean="0"/>
+              <a:t>Application-based approach</a:t>
+            </a:r>
+            <a:endParaRPr lang="en-US" sz="2000" dirty="0" smtClean="0"/>
           </a:p>
           <a:p>
             <a:pPr marL="285750" indent="-285750" algn="l">
@@ -8553,9 +8698,35 @@
               <a:buChar char="•"/>
             </a:pPr>
             <a:r>
+              <a:rPr lang="en-US" sz="2000" smtClean="0"/>
+              <a:t>Balance </a:t>
+            </a:r>
+            <a:r>
               <a:rPr lang="en-US" sz="2000" dirty="0" smtClean="0"/>
-              <a:t>Seek an optimal pace</a:t>
-            </a:r>
+              <a:t>depth </a:t>
+            </a:r>
+            <a:r>
+              <a:rPr lang="en-US" sz="2000" smtClean="0"/>
+              <a:t>with breadth</a:t>
+            </a:r>
+          </a:p>
+          <a:p>
+            <a:pPr marL="285750" indent="-285750" algn="l">
+              <a:buFont typeface="Arial"/>
+              <a:buChar char="•"/>
+            </a:pPr>
+            <a:endParaRPr lang="en-US" sz="2000"/>
+          </a:p>
+          <a:p>
+            <a:pPr marL="285750" indent="-285750" algn="l">
+              <a:buFont typeface="Arial"/>
+              <a:buChar char="•"/>
+            </a:pPr>
+            <a:r>
+              <a:rPr lang="en-US" sz="2000" smtClean="0"/>
+              <a:t>Modified based on experience</a:t>
+            </a:r>
+            <a:endParaRPr lang="en-US" sz="2000" dirty="0" smtClean="0"/>
           </a:p>
           <a:p>
             <a:pPr marL="285750" indent="-285750" algn="l">
@@ -8571,45 +8742,26 @@
             </a:pPr>
             <a:r>
               <a:rPr lang="en-US" sz="2000" dirty="0" smtClean="0"/>
-              <a:t>Communicate early and often</a:t>
-            </a:r>
-          </a:p>
-          <a:p>
-            <a:pPr algn="l"/>
-            <a:endParaRPr lang="en-US" sz="2000" dirty="0"/>
-          </a:p>
-          <a:p>
-            <a:pPr marL="285750" indent="-285750" algn="l">
-              <a:buFont typeface="Arial"/>
-              <a:buChar char="•"/>
-            </a:pPr>
-            <a:r>
-              <a:rPr lang="en-US" sz="2000" dirty="0" smtClean="0"/>
-              <a:t>Success is not </a:t>
-            </a:r>
-            <a:r>
-              <a:rPr lang="en-US" sz="2000" smtClean="0"/>
-              <a:t>a grade</a:t>
-            </a:r>
-            <a:endParaRPr lang="en-US" sz="2000" dirty="0" smtClean="0"/>
+              <a:t>Course project</a:t>
+            </a:r>
           </a:p>
         </p:txBody>
       </p:sp>
     </p:spTree>
     <p:extLst>
       <p:ext uri="{BB962C8B-B14F-4D97-AF65-F5344CB8AC3E}">
-        <p14:creationId xmlns:p14="http://schemas.microsoft.com/office/powerpoint/2010/main" val="3062458698"/>
+        <p14:creationId xmlns:p14="http://schemas.microsoft.com/office/powerpoint/2010/main" val="3498990025"/>
       </p:ext>
     </p:extLst>
   </p:cSld>
   <p:clrMapOvr>
     <a:masterClrMapping/>
   </p:clrMapOvr>
-  <p:transition xmlns:p14="http://schemas.microsoft.com/office/powerpoint/2010/main"/>
+  <p:transition/>
   <p:timing>
     <p:tnLst>
       <p:par>
-        <p:cTn xmlns:p14="http://schemas.microsoft.com/office/powerpoint/2010/main" id="1" dur="indefinite" restart="never" nodeType="tmRoot">
+        <p:cTn id="1" dur="indefinite" restart="never" nodeType="tmRoot">
           <p:childTnLst>
             <p:seq concurrent="1" nextAc="seek">
               <p:cTn id="2" dur="indefinite" nodeType="mainSeq">
@@ -8880,7 +9032,7 @@
             </a:pPr>
             <a:r>
               <a:rPr lang="en-US" dirty="0" smtClean="0"/>
-              <a:t>Content Philosophy</a:t>
+              <a:t>How to Succeed</a:t>
             </a:r>
           </a:p>
         </p:txBody>
@@ -8940,10 +9092,9 @@
               <a:buChar char="•"/>
             </a:pPr>
             <a:r>
-              <a:rPr lang="en-US" sz="2000" smtClean="0"/>
-              <a:t>Application-based approach</a:t>
-            </a:r>
-            <a:endParaRPr lang="en-US" sz="2000" dirty="0" smtClean="0"/>
+              <a:rPr lang="en-US" sz="2000" dirty="0" smtClean="0"/>
+              <a:t>Effort not prior knowledge</a:t>
+            </a:r>
           </a:p>
           <a:p>
             <a:pPr marL="285750" indent="-285750" algn="l">
@@ -8959,7 +9110,7 @@
             </a:pPr>
             <a:r>
               <a:rPr lang="en-US" sz="2000" dirty="0" smtClean="0"/>
-              <a:t>Understand key principles</a:t>
+              <a:t>Ask questions</a:t>
             </a:r>
           </a:p>
           <a:p>
@@ -8975,8 +9126,12 @@
               <a:buChar char="•"/>
             </a:pPr>
             <a:r>
+              <a:rPr lang="en-US" sz="2000" smtClean="0"/>
+              <a:t>Help </a:t>
+            </a:r>
+            <a:r>
               <a:rPr lang="en-US" sz="2000" dirty="0" smtClean="0"/>
-              <a:t>Balance depth with breadth</a:t>
+              <a:t>your classmates</a:t>
             </a:r>
           </a:p>
           <a:p>
@@ -8993,26 +9148,31 @@
             </a:pPr>
             <a:r>
               <a:rPr lang="en-US" sz="2000" dirty="0" smtClean="0"/>
-              <a:t>Course project</a:t>
-            </a:r>
+              <a:t>Be patient </a:t>
+            </a:r>
+            <a:r>
+              <a:rPr lang="en-US" sz="2000" smtClean="0"/>
+              <a:t>with yourself</a:t>
+            </a:r>
+            <a:endParaRPr lang="en-US" sz="2000" dirty="0" smtClean="0"/>
           </a:p>
         </p:txBody>
       </p:sp>
     </p:spTree>
     <p:extLst>
       <p:ext uri="{BB962C8B-B14F-4D97-AF65-F5344CB8AC3E}">
-        <p14:creationId xmlns:p14="http://schemas.microsoft.com/office/powerpoint/2010/main" val="3498990025"/>
+        <p14:creationId xmlns:p14="http://schemas.microsoft.com/office/powerpoint/2010/main" val="3679753472"/>
       </p:ext>
     </p:extLst>
   </p:cSld>
   <p:clrMapOvr>
     <a:masterClrMapping/>
   </p:clrMapOvr>
-  <p:transition xmlns:p14="http://schemas.microsoft.com/office/powerpoint/2010/main"/>
+  <p:transition/>
   <p:timing>
     <p:tnLst>
       <p:par>
-        <p:cTn xmlns:p14="http://schemas.microsoft.com/office/powerpoint/2010/main" id="1" dur="indefinite" restart="never" nodeType="tmRoot">
+        <p:cTn id="1" dur="indefinite" restart="never" nodeType="tmRoot">
           <p:childTnLst>
             <p:seq concurrent="1" nextAc="seek">
               <p:cTn id="2" dur="indefinite" nodeType="mainSeq">
@@ -9283,7 +9443,7 @@
             </a:pPr>
             <a:r>
               <a:rPr lang="en-US" dirty="0" smtClean="0"/>
-              <a:t>How to Succeed</a:t>
+              <a:t>Typical Class</a:t>
             </a:r>
           </a:p>
         </p:txBody>
@@ -9343,9 +9503,14 @@
               <a:buChar char="•"/>
             </a:pPr>
             <a:r>
-              <a:rPr lang="en-US" sz="2000" dirty="0" smtClean="0"/>
-              <a:t>Effort not prior knowledge</a:t>
-            </a:r>
+              <a:rPr lang="en-US" sz="2000" smtClean="0"/>
+              <a:t>Discussion of </a:t>
+            </a:r>
+            <a:r>
+              <a:rPr lang="en-US" sz="2000" smtClean="0"/>
+              <a:t>pre-work</a:t>
+            </a:r>
+            <a:endParaRPr lang="en-US" sz="2000" dirty="0" smtClean="0"/>
           </a:p>
           <a:p>
             <a:pPr marL="285750" indent="-285750" algn="l">
@@ -9360,9 +9525,10 @@
               <a:buChar char="•"/>
             </a:pPr>
             <a:r>
-              <a:rPr lang="en-US" sz="2000" dirty="0" smtClean="0"/>
-              <a:t>Ask questions</a:t>
-            </a:r>
+              <a:rPr lang="en-US" sz="2000" smtClean="0"/>
+              <a:t>Lecture</a:t>
+            </a:r>
+            <a:endParaRPr lang="en-US" sz="2000" dirty="0" smtClean="0"/>
           </a:p>
           <a:p>
             <a:pPr marL="285750" indent="-285750" algn="l">
@@ -9377,8 +9543,8 @@
               <a:buChar char="•"/>
             </a:pPr>
             <a:r>
-              <a:rPr lang="en-US" sz="2000" dirty="0" smtClean="0"/>
-              <a:t>Communicate what you’ve learned</a:t>
+              <a:rPr lang="en-US" sz="2000"/>
+              <a:t>Code walk-throughs</a:t>
             </a:r>
           </a:p>
           <a:p>
@@ -9386,7 +9552,7 @@
               <a:buFont typeface="Arial"/>
               <a:buChar char="•"/>
             </a:pPr>
-            <a:endParaRPr lang="en-US" sz="2000" dirty="0"/>
+            <a:endParaRPr lang="en-US" sz="2000" smtClean="0"/>
           </a:p>
           <a:p>
             <a:pPr marL="285750" indent="-285750" algn="l">
@@ -9394,8 +9560,8 @@
               <a:buChar char="•"/>
             </a:pPr>
             <a:r>
-              <a:rPr lang="en-US" sz="2000" dirty="0" smtClean="0"/>
-              <a:t>Help your classmates</a:t>
+              <a:rPr lang="en-US" sz="2000" smtClean="0"/>
+              <a:t>In-class exercises</a:t>
             </a:r>
           </a:p>
           <a:p>
@@ -9403,7 +9569,7 @@
               <a:buFont typeface="Arial"/>
               <a:buChar char="•"/>
             </a:pPr>
-            <a:endParaRPr lang="en-US" sz="2000" dirty="0"/>
+            <a:endParaRPr lang="en-US" sz="2000"/>
           </a:p>
           <a:p>
             <a:pPr marL="285750" indent="-285750" algn="l">
@@ -9411,12 +9577,8 @@
               <a:buChar char="•"/>
             </a:pPr>
             <a:r>
-              <a:rPr lang="en-US" sz="2000" dirty="0" smtClean="0"/>
-              <a:t>Be patient </a:t>
-            </a:r>
-            <a:r>
               <a:rPr lang="en-US" sz="2000" smtClean="0"/>
-              <a:t>with yourself</a:t>
+              <a:t>Homework assigned</a:t>
             </a:r>
             <a:endParaRPr lang="en-US" sz="2000" dirty="0" smtClean="0"/>
           </a:p>
@@ -9425,18 +9587,18 @@
     </p:spTree>
     <p:extLst>
       <p:ext uri="{BB962C8B-B14F-4D97-AF65-F5344CB8AC3E}">
-        <p14:creationId xmlns:p14="http://schemas.microsoft.com/office/powerpoint/2010/main" val="3679753472"/>
+        <p14:creationId xmlns:p14="http://schemas.microsoft.com/office/powerpoint/2010/main" val="3947763434"/>
       </p:ext>
     </p:extLst>
   </p:cSld>
   <p:clrMapOvr>
     <a:masterClrMapping/>
   </p:clrMapOvr>
-  <p:transition xmlns:p14="http://schemas.microsoft.com/office/powerpoint/2010/main"/>
+  <p:transition/>
   <p:timing>
     <p:tnLst>
       <p:par>
-        <p:cTn xmlns:p14="http://schemas.microsoft.com/office/powerpoint/2010/main" id="1" dur="indefinite" restart="never" nodeType="tmRoot">
+        <p:cTn id="1" dur="indefinite" restart="never" nodeType="tmRoot">
           <p:childTnLst>
             <p:seq concurrent="1" nextAc="seek">
               <p:cTn id="2" dur="indefinite" nodeType="mainSeq">
@@ -9756,7 +9918,7 @@
             </a:pPr>
             <a:r>
               <a:rPr lang="en-US" dirty="0" smtClean="0"/>
-              <a:t>Typical Class</a:t>
+              <a:t>Logistics</a:t>
             </a:r>
           </a:p>
         </p:txBody>
@@ -9799,7 +9961,7 @@
         <p:spPr>
           <a:xfrm>
             <a:off x="1100137" y="1257300"/>
-            <a:ext cx="6858000" cy="2246769"/>
+            <a:ext cx="6858000" cy="2862322"/>
           </a:xfrm>
           <a:prstGeom prst="rect">
             <a:avLst/>
@@ -9817,7 +9979,7 @@
             </a:pPr>
             <a:r>
               <a:rPr lang="en-US" sz="2000" dirty="0" smtClean="0"/>
-              <a:t>Lecture</a:t>
+              <a:t>Bathrooms</a:t>
             </a:r>
           </a:p>
           <a:p>
@@ -9825,7 +9987,10 @@
               <a:buFont typeface="Arial"/>
               <a:buChar char="•"/>
             </a:pPr>
-            <a:endParaRPr lang="en-US" sz="2000" dirty="0"/>
+            <a:r>
+              <a:rPr lang="en-US" sz="2000" dirty="0" smtClean="0"/>
+              <a:t>Parking</a:t>
+            </a:r>
           </a:p>
           <a:p>
             <a:pPr marL="285750" indent="-285750" algn="l">
@@ -9834,7 +9999,7 @@
             </a:pPr>
             <a:r>
               <a:rPr lang="en-US" sz="2000" dirty="0" smtClean="0"/>
-              <a:t>Code walk-throughs</a:t>
+              <a:t>Dress code</a:t>
             </a:r>
           </a:p>
           <a:p>
@@ -9842,7 +10007,10 @@
               <a:buFont typeface="Arial"/>
               <a:buChar char="•"/>
             </a:pPr>
-            <a:endParaRPr lang="en-US" sz="2000" dirty="0"/>
+            <a:r>
+              <a:rPr lang="en-US" sz="2000" dirty="0" smtClean="0"/>
+              <a:t>Start and end on time</a:t>
+            </a:r>
           </a:p>
           <a:p>
             <a:pPr marL="285750" indent="-285750" algn="l">
@@ -9850,8 +10018,12 @@
               <a:buChar char="•"/>
             </a:pPr>
             <a:r>
-              <a:rPr lang="en-US" sz="2000" dirty="0" smtClean="0"/>
-              <a:t>Code exercises</a:t>
+              <a:rPr lang="en-US" sz="2000" smtClean="0"/>
+              <a:t>Missing </a:t>
+            </a:r>
+            <a:r>
+              <a:rPr lang="en-US" sz="2000" smtClean="0"/>
+              <a:t>class</a:t>
             </a:r>
           </a:p>
           <a:p>
@@ -9859,7 +10031,11 @@
               <a:buFont typeface="Arial"/>
               <a:buChar char="•"/>
             </a:pPr>
-            <a:endParaRPr lang="en-US" sz="2000" dirty="0"/>
+            <a:r>
+              <a:rPr lang="en-US" sz="2000" smtClean="0"/>
+              <a:t>Video recordings</a:t>
+            </a:r>
+            <a:endParaRPr lang="en-US" sz="2000" dirty="0" smtClean="0"/>
           </a:p>
           <a:p>
             <a:pPr marL="285750" indent="-285750" algn="l">
@@ -9867,488 +10043,23 @@
               <a:buChar char="•"/>
             </a:pPr>
             <a:r>
-              <a:rPr lang="en-US" sz="2000" dirty="0" smtClean="0"/>
-              <a:t>Discussion of homework and readings</a:t>
-            </a:r>
-          </a:p>
-        </p:txBody>
-      </p:sp>
-    </p:spTree>
-    <p:extLst>
-      <p:ext uri="{BB962C8B-B14F-4D97-AF65-F5344CB8AC3E}">
-        <p14:creationId xmlns:p14="http://schemas.microsoft.com/office/powerpoint/2010/main" val="3174620016"/>
-      </p:ext>
-    </p:extLst>
-  </p:cSld>
-  <p:clrMapOvr>
-    <a:masterClrMapping/>
-  </p:clrMapOvr>
-  <p:transition xmlns:p14="http://schemas.microsoft.com/office/powerpoint/2010/main"/>
-  <p:timing>
-    <p:tnLst>
-      <p:par>
-        <p:cTn xmlns:p14="http://schemas.microsoft.com/office/powerpoint/2010/main" id="1" dur="indefinite" restart="never" nodeType="tmRoot">
-          <p:childTnLst>
-            <p:seq concurrent="1" nextAc="seek">
-              <p:cTn id="2" dur="indefinite" nodeType="mainSeq">
-                <p:childTnLst>
-                  <p:par>
-                    <p:cTn id="3" fill="hold">
-                      <p:stCondLst>
-                        <p:cond delay="indefinite"/>
-                      </p:stCondLst>
-                      <p:childTnLst>
-                        <p:par>
-                          <p:cTn id="4" fill="hold">
-                            <p:stCondLst>
-                              <p:cond delay="0"/>
-                            </p:stCondLst>
-                            <p:childTnLst>
-                              <p:par>
-                                <p:cTn id="5" presetID="1" presetClass="entr" presetSubtype="0" fill="hold" nodeType="clickEffect">
-                                  <p:stCondLst>
-                                    <p:cond delay="0"/>
-                                  </p:stCondLst>
-                                  <p:childTnLst>
-                                    <p:set>
-                                      <p:cBhvr>
-                                        <p:cTn id="6" dur="1" fill="hold">
-                                          <p:stCondLst>
-                                            <p:cond delay="0"/>
-                                          </p:stCondLst>
-                                        </p:cTn>
-                                        <p:tgtEl>
-                                          <p:spTgt spid="5">
-                                            <p:txEl>
-                                              <p:pRg st="0" end="0"/>
-                                            </p:txEl>
-                                          </p:spTgt>
-                                        </p:tgtEl>
-                                        <p:attrNameLst>
-                                          <p:attrName>style.visibility</p:attrName>
-                                        </p:attrNameLst>
-                                      </p:cBhvr>
-                                      <p:to>
-                                        <p:strVal val="visible"/>
-                                      </p:to>
-                                    </p:set>
-                                  </p:childTnLst>
-                                </p:cTn>
-                              </p:par>
-                            </p:childTnLst>
-                          </p:cTn>
-                        </p:par>
-                      </p:childTnLst>
-                    </p:cTn>
-                  </p:par>
-                  <p:par>
-                    <p:cTn id="7" fill="hold">
-                      <p:stCondLst>
-                        <p:cond delay="indefinite"/>
-                      </p:stCondLst>
-                      <p:childTnLst>
-                        <p:par>
-                          <p:cTn id="8" fill="hold">
-                            <p:stCondLst>
-                              <p:cond delay="0"/>
-                            </p:stCondLst>
-                            <p:childTnLst>
-                              <p:par>
-                                <p:cTn id="9" presetID="1" presetClass="entr" presetSubtype="0" fill="hold" nodeType="clickEffect">
-                                  <p:stCondLst>
-                                    <p:cond delay="0"/>
-                                  </p:stCondLst>
-                                  <p:childTnLst>
-                                    <p:set>
-                                      <p:cBhvr>
-                                        <p:cTn id="10" dur="1" fill="hold">
-                                          <p:stCondLst>
-                                            <p:cond delay="0"/>
-                                          </p:stCondLst>
-                                        </p:cTn>
-                                        <p:tgtEl>
-                                          <p:spTgt spid="5">
-                                            <p:txEl>
-                                              <p:pRg st="2" end="2"/>
-                                            </p:txEl>
-                                          </p:spTgt>
-                                        </p:tgtEl>
-                                        <p:attrNameLst>
-                                          <p:attrName>style.visibility</p:attrName>
-                                        </p:attrNameLst>
-                                      </p:cBhvr>
-                                      <p:to>
-                                        <p:strVal val="visible"/>
-                                      </p:to>
-                                    </p:set>
-                                  </p:childTnLst>
-                                </p:cTn>
-                              </p:par>
-                            </p:childTnLst>
-                          </p:cTn>
-                        </p:par>
-                      </p:childTnLst>
-                    </p:cTn>
-                  </p:par>
-                  <p:par>
-                    <p:cTn id="11" fill="hold">
-                      <p:stCondLst>
-                        <p:cond delay="indefinite"/>
-                      </p:stCondLst>
-                      <p:childTnLst>
-                        <p:par>
-                          <p:cTn id="12" fill="hold">
-                            <p:stCondLst>
-                              <p:cond delay="0"/>
-                            </p:stCondLst>
-                            <p:childTnLst>
-                              <p:par>
-                                <p:cTn id="13" presetID="1" presetClass="entr" presetSubtype="0" fill="hold" nodeType="clickEffect">
-                                  <p:stCondLst>
-                                    <p:cond delay="0"/>
-                                  </p:stCondLst>
-                                  <p:childTnLst>
-                                    <p:set>
-                                      <p:cBhvr>
-                                        <p:cTn id="14" dur="1" fill="hold">
-                                          <p:stCondLst>
-                                            <p:cond delay="0"/>
-                                          </p:stCondLst>
-                                        </p:cTn>
-                                        <p:tgtEl>
-                                          <p:spTgt spid="5">
-                                            <p:txEl>
-                                              <p:pRg st="4" end="4"/>
-                                            </p:txEl>
-                                          </p:spTgt>
-                                        </p:tgtEl>
-                                        <p:attrNameLst>
-                                          <p:attrName>style.visibility</p:attrName>
-                                        </p:attrNameLst>
-                                      </p:cBhvr>
-                                      <p:to>
-                                        <p:strVal val="visible"/>
-                                      </p:to>
-                                    </p:set>
-                                  </p:childTnLst>
-                                </p:cTn>
-                              </p:par>
-                            </p:childTnLst>
-                          </p:cTn>
-                        </p:par>
-                      </p:childTnLst>
-                    </p:cTn>
-                  </p:par>
-                  <p:par>
-                    <p:cTn id="15" fill="hold">
-                      <p:stCondLst>
-                        <p:cond delay="indefinite"/>
-                      </p:stCondLst>
-                      <p:childTnLst>
-                        <p:par>
-                          <p:cTn id="16" fill="hold">
-                            <p:stCondLst>
-                              <p:cond delay="0"/>
-                            </p:stCondLst>
-                            <p:childTnLst>
-                              <p:par>
-                                <p:cTn id="17" presetID="1" presetClass="entr" presetSubtype="0" fill="hold" nodeType="clickEffect">
-                                  <p:stCondLst>
-                                    <p:cond delay="0"/>
-                                  </p:stCondLst>
-                                  <p:childTnLst>
-                                    <p:set>
-                                      <p:cBhvr>
-                                        <p:cTn id="18" dur="1" fill="hold">
-                                          <p:stCondLst>
-                                            <p:cond delay="0"/>
-                                          </p:stCondLst>
-                                        </p:cTn>
-                                        <p:tgtEl>
-                                          <p:spTgt spid="5">
-                                            <p:txEl>
-                                              <p:pRg st="6" end="6"/>
-                                            </p:txEl>
-                                          </p:spTgt>
-                                        </p:tgtEl>
-                                        <p:attrNameLst>
-                                          <p:attrName>style.visibility</p:attrName>
-                                        </p:attrNameLst>
-                                      </p:cBhvr>
-                                      <p:to>
-                                        <p:strVal val="visible"/>
-                                      </p:to>
-                                    </p:set>
-                                  </p:childTnLst>
-                                </p:cTn>
-                              </p:par>
-                            </p:childTnLst>
-                          </p:cTn>
-                        </p:par>
-                      </p:childTnLst>
-                    </p:cTn>
-                  </p:par>
-                </p:childTnLst>
-              </p:cTn>
-              <p:prevCondLst>
-                <p:cond evt="onPrev" delay="0">
-                  <p:tgtEl>
-                    <p:sldTgt/>
-                  </p:tgtEl>
-                </p:cond>
-              </p:prevCondLst>
-              <p:nextCondLst>
-                <p:cond evt="onNext" delay="0">
-                  <p:tgtEl>
-                    <p:sldTgt/>
-                  </p:tgtEl>
-                </p:cond>
-              </p:nextCondLst>
-            </p:seq>
-          </p:childTnLst>
-        </p:cTn>
-      </p:par>
-    </p:tnLst>
-  </p:timing>
-</p:sld>
-</file>
-
-<file path=ppt/slides/slide8.xml><?xml version="1.0" encoding="utf-8"?>
-<p:sld xmlns:a="http://schemas.openxmlformats.org/drawingml/2006/main" xmlns:r="http://schemas.openxmlformats.org/officeDocument/2006/relationships" xmlns:p="http://schemas.openxmlformats.org/presentationml/2006/main">
-  <p:cSld>
-    <p:spTree>
-      <p:nvGrpSpPr>
-        <p:cNvPr id="1" name=""/>
-        <p:cNvGrpSpPr/>
-        <p:nvPr/>
-      </p:nvGrpSpPr>
-      <p:grpSpPr>
-        <a:xfrm>
-          <a:off x="0" y="0"/>
-          <a:ext cx="0" cy="0"/>
-          <a:chOff x="0" y="0"/>
-          <a:chExt cx="0" cy="0"/>
-        </a:xfrm>
-      </p:grpSpPr>
-      <p:sp>
-        <p:nvSpPr>
-          <p:cNvPr id="4" name="Content Placeholder 3"/>
-          <p:cNvSpPr>
-            <a:spLocks noGrp="1"/>
-          </p:cNvSpPr>
-          <p:nvPr>
-            <p:ph sz="quarter" idx="11"/>
-          </p:nvPr>
-        </p:nvSpPr>
-        <p:spPr>
-          <a:xfrm>
-            <a:off x="414337" y="495300"/>
-            <a:ext cx="6400800" cy="304800"/>
-          </a:xfrm>
-        </p:spPr>
-        <p:txBody>
-          <a:bodyPr/>
-          <a:lstStyle/>
-          <a:p>
-            <a:pPr eaLnBrk="1" hangingPunct="1">
-              <a:lnSpc>
-                <a:spcPts val="2448"/>
-              </a:lnSpc>
-              <a:defRPr/>
-            </a:pPr>
-            <a:r>
-              <a:rPr lang="en-US" dirty="0" smtClean="0"/>
-              <a:t>Logistics</a:t>
-            </a:r>
-          </a:p>
-        </p:txBody>
-      </p:sp>
-      <p:sp>
-        <p:nvSpPr>
-          <p:cNvPr id="8" name="Slide Number Placeholder 3"/>
-          <p:cNvSpPr>
-            <a:spLocks noGrp="1"/>
-          </p:cNvSpPr>
-          <p:nvPr>
-            <p:ph type="sldNum" sz="quarter" idx="13"/>
-          </p:nvPr>
-        </p:nvSpPr>
-        <p:spPr/>
-        <p:txBody>
-          <a:bodyPr/>
-          <a:lstStyle/>
-          <a:p>
-            <a:pPr>
-              <a:defRPr/>
-            </a:pPr>
-            <a:fld id="{BD5AD749-DAD1-6A4A-A2AA-CB20EAD0AEB7}" type="slidenum">
-              <a:rPr lang="en-US"/>
-              <a:pPr>
-                <a:defRPr/>
-              </a:pPr>
-              <a:t>8</a:t>
-            </a:fld>
-            <a:endParaRPr lang="en-US"/>
-          </a:p>
-        </p:txBody>
-      </p:sp>
-      <p:sp>
-        <p:nvSpPr>
-          <p:cNvPr id="5" name="Rectangle 4"/>
-          <p:cNvSpPr/>
-          <p:nvPr/>
-        </p:nvSpPr>
-        <p:spPr>
-          <a:xfrm>
-            <a:off x="1100137" y="1257300"/>
-            <a:ext cx="6858000" cy="4093428"/>
-          </a:xfrm>
-          <a:prstGeom prst="rect">
-            <a:avLst/>
-          </a:prstGeom>
-        </p:spPr>
-        <p:txBody>
-          <a:bodyPr wrap="square">
-            <a:spAutoFit/>
-          </a:bodyPr>
-          <a:lstStyle/>
+              <a:rPr lang="en-US" sz="2000" smtClean="0"/>
+              <a:t>Slack instead of email</a:t>
+            </a:r>
+          </a:p>
           <a:p>
             <a:pPr marL="285750" indent="-285750" algn="l">
-              <a:lnSpc>
-                <a:spcPct val="150000"/>
-              </a:lnSpc>
               <a:buFont typeface="Arial"/>
               <a:buChar char="•"/>
             </a:pPr>
             <a:r>
-              <a:rPr lang="en-US" sz="2000" dirty="0" smtClean="0"/>
-              <a:t>Bathrooms</a:t>
-            </a:r>
-            <a:endParaRPr lang="en-US" sz="2000" dirty="0"/>
-          </a:p>
-          <a:p>
-            <a:pPr marL="285750" indent="-285750" algn="l">
-              <a:lnSpc>
-                <a:spcPct val="150000"/>
-              </a:lnSpc>
-              <a:buFont typeface="Arial"/>
-              <a:buChar char="•"/>
-            </a:pPr>
-            <a:r>
-              <a:rPr lang="en-US" sz="2000" dirty="0" smtClean="0"/>
-              <a:t>Parking</a:t>
-            </a:r>
-          </a:p>
-          <a:p>
-            <a:pPr marL="285750" indent="-285750" algn="l">
-              <a:lnSpc>
-                <a:spcPct val="150000"/>
-              </a:lnSpc>
-              <a:buFont typeface="Arial"/>
-              <a:buChar char="•"/>
-            </a:pPr>
-            <a:r>
-              <a:rPr lang="en-US" sz="2000" dirty="0" smtClean="0"/>
-              <a:t>Dress code</a:t>
-            </a:r>
-          </a:p>
-          <a:p>
-            <a:pPr marL="285750" indent="-285750" algn="l">
-              <a:lnSpc>
-                <a:spcPct val="150000"/>
-              </a:lnSpc>
-              <a:buFont typeface="Arial"/>
-              <a:buChar char="•"/>
-            </a:pPr>
-            <a:r>
-              <a:rPr lang="en-US" sz="2000" dirty="0" smtClean="0"/>
-              <a:t>Start </a:t>
-            </a:r>
-            <a:r>
-              <a:rPr lang="en-US" sz="2000" dirty="0"/>
-              <a:t>and end on </a:t>
-            </a:r>
-            <a:r>
-              <a:rPr lang="en-US" sz="2000" dirty="0" smtClean="0"/>
-              <a:t>time</a:t>
-            </a:r>
-            <a:endParaRPr lang="en-US" sz="2000" dirty="0"/>
-          </a:p>
-          <a:p>
-            <a:pPr marL="285750" indent="-285750" algn="l">
-              <a:lnSpc>
-                <a:spcPct val="150000"/>
-              </a:lnSpc>
-              <a:buFont typeface="Arial"/>
-              <a:buChar char="•"/>
-            </a:pPr>
-            <a:r>
-              <a:rPr lang="en-US" sz="2000" dirty="0"/>
-              <a:t>Missing </a:t>
-            </a:r>
-            <a:r>
-              <a:rPr lang="en-US" sz="2000" dirty="0" smtClean="0"/>
-              <a:t>class</a:t>
-            </a:r>
-            <a:endParaRPr lang="en-US" sz="2000" dirty="0"/>
-          </a:p>
-          <a:p>
-            <a:pPr marL="285750" indent="-285750" algn="l">
-              <a:lnSpc>
-                <a:spcPct val="150000"/>
-              </a:lnSpc>
-              <a:buFont typeface="Arial"/>
-              <a:buChar char="•"/>
-            </a:pPr>
-            <a:r>
-              <a:rPr lang="en-US" sz="2000" dirty="0"/>
-              <a:t>Slack instead of </a:t>
-            </a:r>
-            <a:r>
-              <a:rPr lang="en-US" sz="2000" dirty="0" smtClean="0"/>
-              <a:t>email</a:t>
-            </a:r>
-            <a:endParaRPr lang="en-US" sz="2000" dirty="0"/>
-          </a:p>
-          <a:p>
-            <a:pPr marL="285750" indent="-285750" algn="l">
-              <a:lnSpc>
-                <a:spcPct val="150000"/>
-              </a:lnSpc>
-              <a:buFont typeface="Arial"/>
-              <a:buChar char="•"/>
-            </a:pPr>
-            <a:r>
-              <a:rPr lang="en-US" sz="2000" dirty="0"/>
+              <a:rPr lang="en-US" sz="2000" smtClean="0"/>
               <a:t>Office </a:t>
             </a:r>
             <a:r>
               <a:rPr lang="en-US" sz="2000" dirty="0" smtClean="0"/>
               <a:t>hours</a:t>
             </a:r>
-            <a:endParaRPr lang="en-US" sz="2000" dirty="0"/>
-          </a:p>
-          <a:p>
-            <a:pPr marL="285750" indent="-285750" algn="l">
-              <a:lnSpc>
-                <a:spcPct val="150000"/>
-              </a:lnSpc>
-              <a:buFont typeface="Arial"/>
-              <a:buChar char="•"/>
-            </a:pPr>
-            <a:r>
-              <a:rPr lang="en-US" sz="2000" dirty="0" err="1"/>
-              <a:t>GitHub</a:t>
-            </a:r>
-            <a:r>
-              <a:rPr lang="en-US" sz="2000" dirty="0"/>
-              <a:t> for course content and </a:t>
-            </a:r>
-            <a:r>
-              <a:rPr lang="en-US" sz="2000" dirty="0" smtClean="0"/>
-              <a:t>homework</a:t>
-            </a:r>
-            <a:endParaRPr lang="en-US" sz="2000" dirty="0"/>
           </a:p>
           <a:p>
             <a:pPr marL="285750" indent="-285750" algn="l">
@@ -10369,11 +10080,11 @@
   <p:clrMapOvr>
     <a:masterClrMapping/>
   </p:clrMapOvr>
-  <p:transition xmlns:p14="http://schemas.microsoft.com/office/powerpoint/2010/main"/>
+  <p:transition/>
   <p:timing>
     <p:tnLst>
       <p:par>
-        <p:cTn xmlns:p14="http://schemas.microsoft.com/office/powerpoint/2010/main" id="1" dur="indefinite" restart="never" nodeType="tmRoot">
+        <p:cTn id="1" dur="indefinite" restart="never" nodeType="tmRoot">
           <p:childTnLst>
             <p:seq concurrent="1" nextAc="seek">
               <p:cTn id="2" dur="indefinite" nodeType="mainSeq">
@@ -10795,118 +10506,6 @@
 </p:sld>
 </file>
 
-<file path=ppt/slides/slide9.xml><?xml version="1.0" encoding="utf-8"?>
-<p:sld xmlns:a="http://schemas.openxmlformats.org/drawingml/2006/main" xmlns:r="http://schemas.openxmlformats.org/officeDocument/2006/relationships" xmlns:p="http://schemas.openxmlformats.org/presentationml/2006/main">
-  <p:cSld>
-    <p:spTree>
-      <p:nvGrpSpPr>
-        <p:cNvPr id="1" name=""/>
-        <p:cNvGrpSpPr/>
-        <p:nvPr/>
-      </p:nvGrpSpPr>
-      <p:grpSpPr>
-        <a:xfrm>
-          <a:off x="0" y="0"/>
-          <a:ext cx="0" cy="0"/>
-          <a:chOff x="0" y="0"/>
-          <a:chExt cx="0" cy="0"/>
-        </a:xfrm>
-      </p:grpSpPr>
-      <p:sp>
-        <p:nvSpPr>
-          <p:cNvPr id="2" name="Title 1"/>
-          <p:cNvSpPr>
-            <a:spLocks noGrp="1"/>
-          </p:cNvSpPr>
-          <p:nvPr>
-            <p:ph type="title"/>
-          </p:nvPr>
-        </p:nvSpPr>
-        <p:spPr>
-          <a:xfrm>
-            <a:off x="338137" y="3238500"/>
-            <a:ext cx="8426450" cy="1055687"/>
-          </a:xfrm>
-        </p:spPr>
-        <p:txBody>
-          <a:bodyPr/>
-          <a:lstStyle/>
-          <a:p>
-            <a:pPr>
-              <a:defRPr/>
-            </a:pPr>
-            <a:r>
-              <a:rPr lang="en-US" dirty="0" smtClean="0"/>
-              <a:t>Questions?</a:t>
-            </a:r>
-            <a:endParaRPr lang="en-US" sz="2000" dirty="0">
-              <a:latin typeface="+mn-lt"/>
-            </a:endParaRPr>
-          </a:p>
-        </p:txBody>
-      </p:sp>
-      <p:sp>
-        <p:nvSpPr>
-          <p:cNvPr id="4" name="Content Placeholder 3"/>
-          <p:cNvSpPr>
-            <a:spLocks noGrp="1"/>
-          </p:cNvSpPr>
-          <p:nvPr>
-            <p:ph sz="quarter" idx="11"/>
-          </p:nvPr>
-        </p:nvSpPr>
-        <p:spPr>
-          <a:xfrm>
-            <a:off x="371475" y="495300"/>
-            <a:ext cx="6400800" cy="304800"/>
-          </a:xfrm>
-        </p:spPr>
-        <p:txBody>
-          <a:bodyPr wrap="square" lIns="91440" tIns="45720" rIns="91440" bIns="45720" numCol="1" anchor="t" anchorCtr="0" compatLnSpc="1">
-            <a:prstTxWarp prst="textNoShape">
-              <a:avLst/>
-            </a:prstTxWarp>
-          </a:bodyPr>
-          <a:lstStyle/>
-          <a:p>
-            <a:pPr marL="0" indent="0"/>
-            <a:r>
-              <a:rPr lang="en-US" cap="none" dirty="0" smtClean="0">
-                <a:latin typeface="PFDinTextCompPro-Bold" charset="0"/>
-                <a:ea typeface="ヒラギノ角ゴ ProN W3" charset="0"/>
-                <a:cs typeface="ヒラギノ角ゴ ProN W3" charset="0"/>
-              </a:rPr>
-              <a:t>COURSE OVERVIEW</a:t>
-            </a:r>
-            <a:endParaRPr lang="en-US" cap="none" dirty="0">
-              <a:latin typeface="PFDinTextCompPro-Bold" charset="0"/>
-              <a:ea typeface="ヒラギノ角ゴ ProN W3" charset="0"/>
-              <a:cs typeface="ヒラギノ角ゴ ProN W3" charset="0"/>
-            </a:endParaRPr>
-          </a:p>
-        </p:txBody>
-      </p:sp>
-    </p:spTree>
-    <p:extLst>
-      <p:ext uri="{BB962C8B-B14F-4D97-AF65-F5344CB8AC3E}">
-        <p14:creationId xmlns:p14="http://schemas.microsoft.com/office/powerpoint/2010/main" val="3636308423"/>
-      </p:ext>
-    </p:extLst>
-  </p:cSld>
-  <p:clrMapOvr>
-    <a:masterClrMapping/>
-  </p:clrMapOvr>
-  <p:transition xmlns:p14="http://schemas.microsoft.com/office/powerpoint/2010/main"/>
-  <p:timing>
-    <p:tnLst>
-      <p:par>
-        <p:cTn xmlns:p14="http://schemas.microsoft.com/office/powerpoint/2010/main" id="1" dur="indefinite" restart="never" nodeType="tmRoot"/>
-      </p:par>
-    </p:tnLst>
-  </p:timing>
-</p:sld>
-</file>
-
 <file path=ppt/theme/theme1.xml><?xml version="1.0" encoding="utf-8"?>
 <a:theme xmlns:a="http://schemas.openxmlformats.org/drawingml/2006/main" name="GA_Instructor_Template_Deck">
   <a:themeElements>
@@ -11152,7 +10751,7 @@
         </a:ln>
         <a:effectLst/>
         <a:extLst>
-          <a:ext uri="{AF507438-7753-43e0-B8FC-AC1667EBCBE1}">
+          <a:ext uri="{AF507438-7753-43E0-B8FC-AC1667EBCBE1}">
             <a14:hiddenEffects xmlns:a14="http://schemas.microsoft.com/office/drawing/2010/main">
               <a:effectLst>
                 <a:outerShdw blurRad="63500" dist="38099" dir="2700000" algn="ctr" rotWithShape="0">
@@ -11230,7 +10829,7 @@
         </a:ln>
         <a:effectLst/>
         <a:extLst>
-          <a:ext uri="{AF507438-7753-43e0-B8FC-AC1667EBCBE1}">
+          <a:ext uri="{AF507438-7753-43E0-B8FC-AC1667EBCBE1}">
             <a14:hiddenEffects xmlns:a14="http://schemas.microsoft.com/office/drawing/2010/main">
               <a:effectLst>
                 <a:outerShdw blurRad="63500" dist="38099" dir="2700000" algn="ctr" rotWithShape="0">
@@ -11572,7 +11171,7 @@
         </a:ln>
         <a:effectLst/>
         <a:extLst>
-          <a:ext uri="{AF507438-7753-43e0-B8FC-AC1667EBCBE1}">
+          <a:ext uri="{AF507438-7753-43E0-B8FC-AC1667EBCBE1}">
             <a14:hiddenEffects xmlns:a14="http://schemas.microsoft.com/office/drawing/2010/main">
               <a:effectLst>
                 <a:outerShdw blurRad="63500" dist="38099" dir="2700000" algn="ctr" rotWithShape="0">
@@ -11638,7 +11237,7 @@
         </a:ln>
         <a:effectLst/>
         <a:extLst>
-          <a:ext uri="{AF507438-7753-43e0-B8FC-AC1667EBCBE1}">
+          <a:ext uri="{AF507438-7753-43E0-B8FC-AC1667EBCBE1}">
             <a14:hiddenEffects xmlns:a14="http://schemas.microsoft.com/office/drawing/2010/main">
               <a:effectLst>
                 <a:outerShdw blurRad="63500" dist="38099" dir="2700000" algn="ctr" rotWithShape="0">
